--- a/Documentation/final_presentation.pptx
+++ b/Documentation/final_presentation.pptx
@@ -5,7 +5,7 @@
     <p:sldMasterId id="2147483672" r:id="rId1"/>
   </p:sldMasterIdLst>
   <p:notesMasterIdLst>
-    <p:notesMasterId r:id="rId12"/>
+    <p:notesMasterId r:id="rId13"/>
   </p:notesMasterIdLst>
   <p:sldIdLst>
     <p:sldId id="256" r:id="rId2"/>
@@ -18,6 +18,7 @@
     <p:sldId id="265" r:id="rId9"/>
     <p:sldId id="263" r:id="rId10"/>
     <p:sldId id="264" r:id="rId11"/>
+    <p:sldId id="266" r:id="rId12"/>
   </p:sldIdLst>
   <p:sldSz cx="9144000" cy="6858000" type="screen4x3"/>
   <p:notesSz cx="6858000" cy="9144000"/>
@@ -3966,6 +3967,78 @@
     <p:extLst>
       <p:ext uri="{BB962C8B-B14F-4D97-AF65-F5344CB8AC3E}">
         <p14:creationId xmlns:p14="http://schemas.microsoft.com/office/powerpoint/2010/main" val="3302425381"/>
+      </p:ext>
+    </p:extLst>
+  </p:cSld>
+  <p:clrMapOvr>
+    <a:masterClrMapping/>
+  </p:clrMapOvr>
+</p:sld>
+</file>
+
+<file path=ppt/slides/slide11.xml><?xml version="1.0" encoding="utf-8"?>
+<p:sld xmlns:a="http://schemas.openxmlformats.org/drawingml/2006/main" xmlns:r="http://schemas.openxmlformats.org/officeDocument/2006/relationships" xmlns:p="http://schemas.openxmlformats.org/presentationml/2006/main">
+  <p:cSld>
+    <p:spTree>
+      <p:nvGrpSpPr>
+        <p:cNvPr id="1" name=""/>
+        <p:cNvGrpSpPr/>
+        <p:nvPr/>
+      </p:nvGrpSpPr>
+      <p:grpSpPr>
+        <a:xfrm>
+          <a:off x="0" y="0"/>
+          <a:ext cx="0" cy="0"/>
+          <a:chOff x="0" y="0"/>
+          <a:chExt cx="0" cy="0"/>
+        </a:xfrm>
+      </p:grpSpPr>
+      <p:sp>
+        <p:nvSpPr>
+          <p:cNvPr id="2" name="Title 1"/>
+          <p:cNvSpPr>
+            <a:spLocks noGrp="1"/>
+          </p:cNvSpPr>
+          <p:nvPr>
+            <p:ph type="title"/>
+          </p:nvPr>
+        </p:nvSpPr>
+        <p:spPr/>
+        <p:txBody>
+          <a:bodyPr/>
+          <a:lstStyle/>
+          <a:p>
+            <a:r>
+              <a:rPr lang="en-US" dirty="0" smtClean="0"/>
+              <a:t>questions</a:t>
+            </a:r>
+            <a:endParaRPr lang="en-US" dirty="0"/>
+          </a:p>
+        </p:txBody>
+      </p:sp>
+      <p:sp>
+        <p:nvSpPr>
+          <p:cNvPr id="3" name="Content Placeholder 2"/>
+          <p:cNvSpPr>
+            <a:spLocks noGrp="1"/>
+          </p:cNvSpPr>
+          <p:nvPr>
+            <p:ph idx="1"/>
+          </p:nvPr>
+        </p:nvSpPr>
+        <p:spPr/>
+        <p:txBody>
+          <a:bodyPr/>
+          <a:lstStyle/>
+          <a:p>
+            <a:endParaRPr lang="en-US"/>
+          </a:p>
+        </p:txBody>
+      </p:sp>
+    </p:spTree>
+    <p:extLst>
+      <p:ext uri="{BB962C8B-B14F-4D97-AF65-F5344CB8AC3E}">
+        <p14:creationId xmlns:p14="http://schemas.microsoft.com/office/powerpoint/2010/main" val="930922018"/>
       </p:ext>
     </p:extLst>
   </p:cSld>

--- a/Documentation/final_presentation.pptx
+++ b/Documentation/final_presentation.pptx
@@ -202,7 +202,7 @@
           <a:p>
             <a:fld id="{A975FA2E-4CDE-430D-8FE5-3898825766C2}" type="datetimeFigureOut">
               <a:rPr lang="en-US" smtClean="0"/>
-              <a:t>12/1/2012</a:t>
+              <a:t>12/2/2012</a:t>
             </a:fld>
             <a:endParaRPr lang="en-US"/>
           </a:p>
@@ -665,7 +665,7 @@
           <a:p>
             <a:fld id="{BE6B613B-BA8D-4263-90ED-BEFC3A16A5E2}" type="datetimeFigureOut">
               <a:rPr lang="en-US" smtClean="0"/>
-              <a:t>12/1/2012</a:t>
+              <a:t>12/2/2012</a:t>
             </a:fld>
             <a:endParaRPr lang="en-US"/>
           </a:p>
@@ -938,7 +938,7 @@
           <a:p>
             <a:fld id="{BE6B613B-BA8D-4263-90ED-BEFC3A16A5E2}" type="datetimeFigureOut">
               <a:rPr lang="en-US" smtClean="0"/>
-              <a:t>12/1/2012</a:t>
+              <a:t>12/2/2012</a:t>
             </a:fld>
             <a:endParaRPr lang="en-US"/>
           </a:p>
@@ -1113,7 +1113,7 @@
           <a:p>
             <a:fld id="{BE6B613B-BA8D-4263-90ED-BEFC3A16A5E2}" type="datetimeFigureOut">
               <a:rPr lang="en-US" smtClean="0"/>
-              <a:t>12/1/2012</a:t>
+              <a:t>12/2/2012</a:t>
             </a:fld>
             <a:endParaRPr lang="en-US"/>
           </a:p>
@@ -1278,7 +1278,7 @@
           <a:p>
             <a:fld id="{BE6B613B-BA8D-4263-90ED-BEFC3A16A5E2}" type="datetimeFigureOut">
               <a:rPr lang="en-US" smtClean="0"/>
-              <a:t>12/1/2012</a:t>
+              <a:t>12/2/2012</a:t>
             </a:fld>
             <a:endParaRPr lang="en-US"/>
           </a:p>
@@ -1527,7 +1527,7 @@
           <a:p>
             <a:fld id="{BE6B613B-BA8D-4263-90ED-BEFC3A16A5E2}" type="datetimeFigureOut">
               <a:rPr lang="en-US" smtClean="0"/>
-              <a:t>12/1/2012</a:t>
+              <a:t>12/2/2012</a:t>
             </a:fld>
             <a:endParaRPr lang="en-US"/>
           </a:p>
@@ -1810,7 +1810,7 @@
           <a:p>
             <a:fld id="{BE6B613B-BA8D-4263-90ED-BEFC3A16A5E2}" type="datetimeFigureOut">
               <a:rPr lang="en-US" smtClean="0"/>
-              <a:t>12/1/2012</a:t>
+              <a:t>12/2/2012</a:t>
             </a:fld>
             <a:endParaRPr lang="en-US"/>
           </a:p>
@@ -2249,7 +2249,7 @@
           <a:p>
             <a:fld id="{BE6B613B-BA8D-4263-90ED-BEFC3A16A5E2}" type="datetimeFigureOut">
               <a:rPr lang="en-US" smtClean="0"/>
-              <a:t>12/1/2012</a:t>
+              <a:t>12/2/2012</a:t>
             </a:fld>
             <a:endParaRPr lang="en-US"/>
           </a:p>
@@ -2362,7 +2362,7 @@
           <a:p>
             <a:fld id="{BE6B613B-BA8D-4263-90ED-BEFC3A16A5E2}" type="datetimeFigureOut">
               <a:rPr lang="en-US" smtClean="0"/>
-              <a:t>12/1/2012</a:t>
+              <a:t>12/2/2012</a:t>
             </a:fld>
             <a:endParaRPr lang="en-US"/>
           </a:p>
@@ -2452,7 +2452,7 @@
           <a:p>
             <a:fld id="{BE6B613B-BA8D-4263-90ED-BEFC3A16A5E2}" type="datetimeFigureOut">
               <a:rPr lang="en-US" smtClean="0"/>
-              <a:t>12/1/2012</a:t>
+              <a:t>12/2/2012</a:t>
             </a:fld>
             <a:endParaRPr lang="en-US"/>
           </a:p>
@@ -2694,7 +2694,7 @@
           <a:p>
             <a:fld id="{BE6B613B-BA8D-4263-90ED-BEFC3A16A5E2}" type="datetimeFigureOut">
               <a:rPr lang="en-US" smtClean="0"/>
-              <a:t>12/1/2012</a:t>
+              <a:t>12/2/2012</a:t>
             </a:fld>
             <a:endParaRPr lang="en-US"/>
           </a:p>
@@ -2988,7 +2988,7 @@
           <a:p>
             <a:fld id="{BE6B613B-BA8D-4263-90ED-BEFC3A16A5E2}" type="datetimeFigureOut">
               <a:rPr lang="en-US" smtClean="0"/>
-              <a:t>12/1/2012</a:t>
+              <a:t>12/2/2012</a:t>
             </a:fld>
             <a:endParaRPr lang="en-US"/>
           </a:p>
@@ -3282,7 +3282,7 @@
           <a:p>
             <a:fld id="{BE6B613B-BA8D-4263-90ED-BEFC3A16A5E2}" type="datetimeFigureOut">
               <a:rPr lang="en-US" smtClean="0"/>
-              <a:t>12/1/2012</a:t>
+              <a:t>12/2/2012</a:t>
             </a:fld>
             <a:endParaRPr lang="en-US"/>
           </a:p>
@@ -4723,12 +4723,100 @@
           <a:p>
             <a:r>
               <a:rPr lang="en-US" dirty="0" smtClean="0"/>
-              <a:t>Testing for multiple shots.</a:t>
-            </a:r>
+              <a:t>Testing for multiple shots</a:t>
+            </a:r>
+            <a:r>
+              <a:rPr lang="en-US" dirty="0" smtClean="0"/>
+              <a:t>.</a:t>
+            </a:r>
+          </a:p>
+          <a:p>
             <a:endParaRPr lang="en-US" dirty="0"/>
           </a:p>
         </p:txBody>
       </p:sp>
+      <p:pic>
+        <p:nvPicPr>
+          <p:cNvPr id="1026" name="Picture 2" descr="H:\442\project\VideoPanoramaMaker\panorama_pan_2_shots_1_3.jpg"/>
+          <p:cNvPicPr>
+            <a:picLocks noChangeAspect="1" noChangeArrowheads="1"/>
+          </p:cNvPicPr>
+          <p:nvPr/>
+        </p:nvPicPr>
+        <p:blipFill>
+          <a:blip r:embed="rId2">
+            <a:extLst>
+              <a:ext uri="{28A0092B-C50C-407E-A947-70E740481C1C}">
+                <a14:useLocalDpi xmlns:a14="http://schemas.microsoft.com/office/drawing/2010/main" val="0"/>
+              </a:ext>
+            </a:extLst>
+          </a:blip>
+          <a:srcRect/>
+          <a:stretch>
+            <a:fillRect/>
+          </a:stretch>
+        </p:blipFill>
+        <p:spPr bwMode="auto">
+          <a:xfrm>
+            <a:off x="152400" y="2253164"/>
+            <a:ext cx="8686800" cy="1937836"/>
+          </a:xfrm>
+          <a:prstGeom prst="rect">
+            <a:avLst/>
+          </a:prstGeom>
+          <a:noFill/>
+          <a:extLst>
+            <a:ext uri="{909E8E84-426E-40DD-AFC4-6F175D3DCCD1}">
+              <a14:hiddenFill xmlns:a14="http://schemas.microsoft.com/office/drawing/2010/main">
+                <a:solidFill>
+                  <a:srgbClr val="FFFFFF"/>
+                </a:solidFill>
+              </a14:hiddenFill>
+            </a:ext>
+          </a:extLst>
+        </p:spPr>
+      </p:pic>
+      <p:pic>
+        <p:nvPicPr>
+          <p:cNvPr id="1027" name="Picture 3" descr="H:\442\project\VideoPanoramaMaker\panorama_pan_2_shots_7_2.jpg"/>
+          <p:cNvPicPr>
+            <a:picLocks noChangeAspect="1" noChangeArrowheads="1"/>
+          </p:cNvPicPr>
+          <p:nvPr/>
+        </p:nvPicPr>
+        <p:blipFill>
+          <a:blip r:embed="rId3">
+            <a:extLst>
+              <a:ext uri="{28A0092B-C50C-407E-A947-70E740481C1C}">
+                <a14:useLocalDpi xmlns:a14="http://schemas.microsoft.com/office/drawing/2010/main" val="0"/>
+              </a:ext>
+            </a:extLst>
+          </a:blip>
+          <a:srcRect/>
+          <a:stretch>
+            <a:fillRect/>
+          </a:stretch>
+        </p:blipFill>
+        <p:spPr bwMode="auto">
+          <a:xfrm>
+            <a:off x="152400" y="4419600"/>
+            <a:ext cx="8686800" cy="2209800"/>
+          </a:xfrm>
+          <a:prstGeom prst="rect">
+            <a:avLst/>
+          </a:prstGeom>
+          <a:noFill/>
+          <a:extLst>
+            <a:ext uri="{909E8E84-426E-40DD-AFC4-6F175D3DCCD1}">
+              <a14:hiddenFill xmlns:a14="http://schemas.microsoft.com/office/drawing/2010/main">
+                <a:solidFill>
+                  <a:srgbClr val="FFFFFF"/>
+                </a:solidFill>
+              </a14:hiddenFill>
+            </a:ext>
+          </a:extLst>
+        </p:spPr>
+      </p:pic>
     </p:spTree>
     <p:extLst>
       <p:ext uri="{BB962C8B-B14F-4D97-AF65-F5344CB8AC3E}">

--- a/Documentation/final_presentation.pptx
+++ b/Documentation/final_presentation.pptx
@@ -5,7 +5,7 @@
     <p:sldMasterId id="2147483672" r:id="rId1"/>
   </p:sldMasterIdLst>
   <p:notesMasterIdLst>
-    <p:notesMasterId r:id="rId13"/>
+    <p:notesMasterId r:id="rId17"/>
   </p:notesMasterIdLst>
   <p:sldIdLst>
     <p:sldId id="256" r:id="rId2"/>
@@ -13,12 +13,16 @@
     <p:sldId id="259" r:id="rId4"/>
     <p:sldId id="258" r:id="rId5"/>
     <p:sldId id="260" r:id="rId6"/>
-    <p:sldId id="261" r:id="rId7"/>
-    <p:sldId id="262" r:id="rId8"/>
-    <p:sldId id="265" r:id="rId9"/>
-    <p:sldId id="263" r:id="rId10"/>
-    <p:sldId id="264" r:id="rId11"/>
-    <p:sldId id="266" r:id="rId12"/>
+    <p:sldId id="267" r:id="rId7"/>
+    <p:sldId id="268" r:id="rId8"/>
+    <p:sldId id="269" r:id="rId9"/>
+    <p:sldId id="261" r:id="rId10"/>
+    <p:sldId id="270" r:id="rId11"/>
+    <p:sldId id="265" r:id="rId12"/>
+    <p:sldId id="262" r:id="rId13"/>
+    <p:sldId id="263" r:id="rId14"/>
+    <p:sldId id="264" r:id="rId15"/>
+    <p:sldId id="266" r:id="rId16"/>
   </p:sldIdLst>
   <p:sldSz cx="9144000" cy="6858000" type="screen4x3"/>
   <p:notesSz cx="6858000" cy="9144000"/>
@@ -202,7 +206,7 @@
           <a:p>
             <a:fld id="{A975FA2E-4CDE-430D-8FE5-3898825766C2}" type="datetimeFigureOut">
               <a:rPr lang="en-US" smtClean="0"/>
-              <a:t>12/2/2012</a:t>
+              <a:t>12/3/2012</a:t>
             </a:fld>
             <a:endParaRPr lang="en-US"/>
           </a:p>
@@ -665,7 +669,7 @@
           <a:p>
             <a:fld id="{BE6B613B-BA8D-4263-90ED-BEFC3A16A5E2}" type="datetimeFigureOut">
               <a:rPr lang="en-US" smtClean="0"/>
-              <a:t>12/2/2012</a:t>
+              <a:t>12/3/2012</a:t>
             </a:fld>
             <a:endParaRPr lang="en-US"/>
           </a:p>
@@ -938,7 +942,7 @@
           <a:p>
             <a:fld id="{BE6B613B-BA8D-4263-90ED-BEFC3A16A5E2}" type="datetimeFigureOut">
               <a:rPr lang="en-US" smtClean="0"/>
-              <a:t>12/2/2012</a:t>
+              <a:t>12/3/2012</a:t>
             </a:fld>
             <a:endParaRPr lang="en-US"/>
           </a:p>
@@ -1113,7 +1117,7 @@
           <a:p>
             <a:fld id="{BE6B613B-BA8D-4263-90ED-BEFC3A16A5E2}" type="datetimeFigureOut">
               <a:rPr lang="en-US" smtClean="0"/>
-              <a:t>12/2/2012</a:t>
+              <a:t>12/3/2012</a:t>
             </a:fld>
             <a:endParaRPr lang="en-US"/>
           </a:p>
@@ -1278,7 +1282,7 @@
           <a:p>
             <a:fld id="{BE6B613B-BA8D-4263-90ED-BEFC3A16A5E2}" type="datetimeFigureOut">
               <a:rPr lang="en-US" smtClean="0"/>
-              <a:t>12/2/2012</a:t>
+              <a:t>12/3/2012</a:t>
             </a:fld>
             <a:endParaRPr lang="en-US"/>
           </a:p>
@@ -1527,7 +1531,7 @@
           <a:p>
             <a:fld id="{BE6B613B-BA8D-4263-90ED-BEFC3A16A5E2}" type="datetimeFigureOut">
               <a:rPr lang="en-US" smtClean="0"/>
-              <a:t>12/2/2012</a:t>
+              <a:t>12/3/2012</a:t>
             </a:fld>
             <a:endParaRPr lang="en-US"/>
           </a:p>
@@ -1810,7 +1814,7 @@
           <a:p>
             <a:fld id="{BE6B613B-BA8D-4263-90ED-BEFC3A16A5E2}" type="datetimeFigureOut">
               <a:rPr lang="en-US" smtClean="0"/>
-              <a:t>12/2/2012</a:t>
+              <a:t>12/3/2012</a:t>
             </a:fld>
             <a:endParaRPr lang="en-US"/>
           </a:p>
@@ -2249,7 +2253,7 @@
           <a:p>
             <a:fld id="{BE6B613B-BA8D-4263-90ED-BEFC3A16A5E2}" type="datetimeFigureOut">
               <a:rPr lang="en-US" smtClean="0"/>
-              <a:t>12/2/2012</a:t>
+              <a:t>12/3/2012</a:t>
             </a:fld>
             <a:endParaRPr lang="en-US"/>
           </a:p>
@@ -2362,7 +2366,7 @@
           <a:p>
             <a:fld id="{BE6B613B-BA8D-4263-90ED-BEFC3A16A5E2}" type="datetimeFigureOut">
               <a:rPr lang="en-US" smtClean="0"/>
-              <a:t>12/2/2012</a:t>
+              <a:t>12/3/2012</a:t>
             </a:fld>
             <a:endParaRPr lang="en-US"/>
           </a:p>
@@ -2452,7 +2456,7 @@
           <a:p>
             <a:fld id="{BE6B613B-BA8D-4263-90ED-BEFC3A16A5E2}" type="datetimeFigureOut">
               <a:rPr lang="en-US" smtClean="0"/>
-              <a:t>12/2/2012</a:t>
+              <a:t>12/3/2012</a:t>
             </a:fld>
             <a:endParaRPr lang="en-US"/>
           </a:p>
@@ -2694,7 +2698,7 @@
           <a:p>
             <a:fld id="{BE6B613B-BA8D-4263-90ED-BEFC3A16A5E2}" type="datetimeFigureOut">
               <a:rPr lang="en-US" smtClean="0"/>
-              <a:t>12/2/2012</a:t>
+              <a:t>12/3/2012</a:t>
             </a:fld>
             <a:endParaRPr lang="en-US"/>
           </a:p>
@@ -2988,7 +2992,7 @@
           <a:p>
             <a:fld id="{BE6B613B-BA8D-4263-90ED-BEFC3A16A5E2}" type="datetimeFigureOut">
               <a:rPr lang="en-US" smtClean="0"/>
-              <a:t>12/2/2012</a:t>
+              <a:t>12/3/2012</a:t>
             </a:fld>
             <a:endParaRPr lang="en-US"/>
           </a:p>
@@ -3282,7 +3286,7 @@
           <a:p>
             <a:fld id="{BE6B613B-BA8D-4263-90ED-BEFC3A16A5E2}" type="datetimeFigureOut">
               <a:rPr lang="en-US" smtClean="0"/>
-              <a:t>12/2/2012</a:t>
+              <a:t>12/3/2012</a:t>
             </a:fld>
             <a:endParaRPr lang="en-US"/>
           </a:p>
@@ -3900,14 +3904,12 @@
         </p:nvSpPr>
         <p:spPr/>
         <p:txBody>
-          <a:bodyPr>
-            <a:normAutofit/>
-          </a:bodyPr>
+          <a:bodyPr/>
           <a:lstStyle/>
           <a:p>
             <a:r>
               <a:rPr lang="en-US" dirty="0" smtClean="0"/>
-              <a:t>Conclusions &amp; improvements</a:t>
+              <a:t>RESULTS I</a:t>
             </a:r>
             <a:endParaRPr lang="en-US" dirty="0"/>
           </a:p>
@@ -3929,44 +3931,71 @@
           <a:lstStyle/>
           <a:p>
             <a:r>
+              <a:rPr lang="en-US" dirty="0"/>
+              <a:t>Testing for multiple shots.</a:t>
+            </a:r>
+          </a:p>
+          <a:p>
+            <a:r>
+              <a:rPr lang="en-US" dirty="0"/>
+              <a:t>Panorama </a:t>
+            </a:r>
+            <a:r>
               <a:rPr lang="en-US" dirty="0" smtClean="0"/>
-              <a:t>Accommodate sources with skew and rotation.</a:t>
-            </a:r>
-          </a:p>
-          <a:p>
-            <a:endParaRPr lang="en-US" dirty="0" smtClean="0"/>
-          </a:p>
-          <a:p>
-            <a:r>
-              <a:rPr lang="en-US" dirty="0" smtClean="0"/>
-              <a:t>Eject bad frames with no feature points/obfuscated image.</a:t>
-            </a:r>
-          </a:p>
-          <a:p>
+              <a:t>#2:</a:t>
+            </a:r>
             <a:endParaRPr lang="en-US" dirty="0"/>
           </a:p>
           <a:p>
-            <a:r>
-              <a:rPr lang="en-US" dirty="0" smtClean="0"/>
-              <a:t>Integrate optical flow.</a:t>
-            </a:r>
-          </a:p>
-          <a:p>
             <a:endParaRPr lang="en-US" dirty="0"/>
           </a:p>
-          <a:p>
-            <a:r>
-              <a:rPr lang="en-US" dirty="0" smtClean="0"/>
-              <a:t>Introduce basic automatic tuning.</a:t>
-            </a:r>
-            <a:endParaRPr lang="en-US" dirty="0"/>
-          </a:p>
-        </p:txBody>
-      </p:sp>
+        </p:txBody>
+      </p:sp>
+      <p:pic>
+        <p:nvPicPr>
+          <p:cNvPr id="4098" name="Picture 2" descr="H:\EECS442_Final\VideoPanoramaMaker\panorama_pan_2_shots_trimmed_2_1.jpg"/>
+          <p:cNvPicPr>
+            <a:picLocks noChangeAspect="1" noChangeArrowheads="1"/>
+          </p:cNvPicPr>
+          <p:nvPr/>
+        </p:nvPicPr>
+        <p:blipFill>
+          <a:blip r:embed="rId2">
+            <a:extLst>
+              <a:ext uri="{28A0092B-C50C-407E-A947-70E740481C1C}">
+                <a14:useLocalDpi xmlns:a14="http://schemas.microsoft.com/office/drawing/2010/main" val="0"/>
+              </a:ext>
+            </a:extLst>
+          </a:blip>
+          <a:srcRect/>
+          <a:stretch>
+            <a:fillRect/>
+          </a:stretch>
+        </p:blipFill>
+        <p:spPr bwMode="auto">
+          <a:xfrm>
+            <a:off x="381000" y="2743200"/>
+            <a:ext cx="8382000" cy="2908041"/>
+          </a:xfrm>
+          <a:prstGeom prst="rect">
+            <a:avLst/>
+          </a:prstGeom>
+          <a:noFill/>
+          <a:extLst>
+            <a:ext uri="{909E8E84-426E-40DD-AFC4-6F175D3DCCD1}">
+              <a14:hiddenFill xmlns:a14="http://schemas.microsoft.com/office/drawing/2010/main">
+                <a:solidFill>
+                  <a:srgbClr val="FFFFFF"/>
+                </a:solidFill>
+              </a14:hiddenFill>
+            </a:ext>
+          </a:extLst>
+        </p:spPr>
+      </p:pic>
     </p:spTree>
     <p:extLst>
       <p:ext uri="{BB962C8B-B14F-4D97-AF65-F5344CB8AC3E}">
-        <p14:creationId xmlns:p14="http://schemas.microsoft.com/office/powerpoint/2010/main" val="3302425381"/>
+        <p14:creationId xmlns:p14="http://schemas.microsoft.com/office/powerpoint/2010/main" val="2741758381"/>
       </p:ext>
     </p:extLst>
   </p:cSld>
@@ -4010,7 +4039,7 @@
           <a:p>
             <a:r>
               <a:rPr lang="en-US" dirty="0" smtClean="0"/>
-              <a:t>questions</a:t>
+              <a:t>Results ii</a:t>
             </a:r>
             <a:endParaRPr lang="en-US" dirty="0"/>
           </a:p>
@@ -4031,984 +4060,13 @@
           <a:bodyPr/>
           <a:lstStyle/>
           <a:p>
-            <a:endParaRPr lang="en-US"/>
-          </a:p>
-        </p:txBody>
-      </p:sp>
-    </p:spTree>
-    <p:extLst>
-      <p:ext uri="{BB962C8B-B14F-4D97-AF65-F5344CB8AC3E}">
-        <p14:creationId xmlns:p14="http://schemas.microsoft.com/office/powerpoint/2010/main" val="930922018"/>
-      </p:ext>
-    </p:extLst>
-  </p:cSld>
-  <p:clrMapOvr>
-    <a:masterClrMapping/>
-  </p:clrMapOvr>
-</p:sld>
-</file>
-
-<file path=ppt/slides/slide2.xml><?xml version="1.0" encoding="utf-8"?>
-<p:sld xmlns:a="http://schemas.openxmlformats.org/drawingml/2006/main" xmlns:r="http://schemas.openxmlformats.org/officeDocument/2006/relationships" xmlns:p="http://schemas.openxmlformats.org/presentationml/2006/main">
-  <p:cSld>
-    <p:spTree>
-      <p:nvGrpSpPr>
-        <p:cNvPr id="1" name=""/>
-        <p:cNvGrpSpPr/>
-        <p:nvPr/>
-      </p:nvGrpSpPr>
-      <p:grpSpPr>
-        <a:xfrm>
-          <a:off x="0" y="0"/>
-          <a:ext cx="0" cy="0"/>
-          <a:chOff x="0" y="0"/>
-          <a:chExt cx="0" cy="0"/>
-        </a:xfrm>
-      </p:grpSpPr>
-      <p:sp>
-        <p:nvSpPr>
-          <p:cNvPr id="2" name="Title 1"/>
-          <p:cNvSpPr>
-            <a:spLocks noGrp="1"/>
-          </p:cNvSpPr>
-          <p:nvPr>
-            <p:ph type="title"/>
-          </p:nvPr>
-        </p:nvSpPr>
-        <p:spPr/>
-        <p:txBody>
-          <a:bodyPr/>
-          <a:lstStyle/>
-          <a:p>
             <a:r>
               <a:rPr lang="en-US" dirty="0" smtClean="0"/>
-              <a:t>Problem statement &amp; Motivation</a:t>
-            </a:r>
-            <a:endParaRPr lang="en-US" dirty="0"/>
-          </a:p>
-        </p:txBody>
-      </p:sp>
-      <p:sp>
-        <p:nvSpPr>
-          <p:cNvPr id="3" name="Content Placeholder 2"/>
-          <p:cNvSpPr>
-            <a:spLocks noGrp="1"/>
-          </p:cNvSpPr>
-          <p:nvPr>
-            <p:ph idx="1"/>
-          </p:nvPr>
-        </p:nvSpPr>
-        <p:spPr/>
-        <p:txBody>
-          <a:bodyPr/>
-          <a:lstStyle/>
-          <a:p>
+              <a:t>Panorama </a:t>
+            </a:r>
             <a:r>
               <a:rPr lang="en-US" dirty="0" smtClean="0"/>
-              <a:t>There is no viable method for extracting panoramas from web videos.</a:t>
-            </a:r>
-          </a:p>
-          <a:p>
-            <a:endParaRPr lang="en-US" dirty="0" smtClean="0"/>
-          </a:p>
-          <a:p>
-            <a:r>
-              <a:rPr lang="en-US" dirty="0" smtClean="0"/>
-              <a:t>Research currently focusses on panorama stitching rather than discovery.</a:t>
-            </a:r>
-          </a:p>
-          <a:p>
-            <a:endParaRPr lang="en-US" dirty="0"/>
-          </a:p>
-          <a:p>
-            <a:r>
-              <a:rPr lang="en-US" dirty="0" smtClean="0"/>
-              <a:t>Videos are a rich source of panoramas as each shot consists of a sequence of images constituting a scene.</a:t>
-            </a:r>
-          </a:p>
-          <a:p>
-            <a:endParaRPr lang="en-US" dirty="0"/>
-          </a:p>
-          <a:p>
-            <a:r>
-              <a:rPr lang="en-US" dirty="0" smtClean="0"/>
-              <a:t>With YouTube, </a:t>
-            </a:r>
-            <a:r>
-              <a:rPr lang="en-US" dirty="0" err="1" smtClean="0"/>
-              <a:t>Vimeo</a:t>
-            </a:r>
-            <a:r>
-              <a:rPr lang="en-US" dirty="0" smtClean="0"/>
-              <a:t>, and various other video hosting sites, there are many potential sources of panoramas.</a:t>
-            </a:r>
-            <a:endParaRPr lang="en-US" dirty="0"/>
-          </a:p>
-        </p:txBody>
-      </p:sp>
-    </p:spTree>
-    <p:extLst>
-      <p:ext uri="{BB962C8B-B14F-4D97-AF65-F5344CB8AC3E}">
-        <p14:creationId xmlns:p14="http://schemas.microsoft.com/office/powerpoint/2010/main" val="267632692"/>
-      </p:ext>
-    </p:extLst>
-  </p:cSld>
-  <p:clrMapOvr>
-    <a:masterClrMapping/>
-  </p:clrMapOvr>
-</p:sld>
-</file>
-
-<file path=ppt/slides/slide3.xml><?xml version="1.0" encoding="utf-8"?>
-<p:sld xmlns:a="http://schemas.openxmlformats.org/drawingml/2006/main" xmlns:r="http://schemas.openxmlformats.org/officeDocument/2006/relationships" xmlns:p="http://schemas.openxmlformats.org/presentationml/2006/main">
-  <p:cSld>
-    <p:spTree>
-      <p:nvGrpSpPr>
-        <p:cNvPr id="1" name=""/>
-        <p:cNvGrpSpPr/>
-        <p:nvPr/>
-      </p:nvGrpSpPr>
-      <p:grpSpPr>
-        <a:xfrm>
-          <a:off x="0" y="0"/>
-          <a:ext cx="0" cy="0"/>
-          <a:chOff x="0" y="0"/>
-          <a:chExt cx="0" cy="0"/>
-        </a:xfrm>
-      </p:grpSpPr>
-      <p:sp>
-        <p:nvSpPr>
-          <p:cNvPr id="2" name="Title 1"/>
-          <p:cNvSpPr>
-            <a:spLocks noGrp="1"/>
-          </p:cNvSpPr>
-          <p:nvPr>
-            <p:ph type="title"/>
-          </p:nvPr>
-        </p:nvSpPr>
-        <p:spPr/>
-        <p:txBody>
-          <a:bodyPr/>
-          <a:lstStyle/>
-          <a:p>
-            <a:r>
-              <a:rPr lang="en-US" dirty="0" smtClean="0"/>
-              <a:t>Previous work</a:t>
-            </a:r>
-            <a:endParaRPr lang="en-US" dirty="0"/>
-          </a:p>
-        </p:txBody>
-      </p:sp>
-      <p:sp>
-        <p:nvSpPr>
-          <p:cNvPr id="3" name="Content Placeholder 2"/>
-          <p:cNvSpPr>
-            <a:spLocks noGrp="1"/>
-          </p:cNvSpPr>
-          <p:nvPr>
-            <p:ph idx="1"/>
-          </p:nvPr>
-        </p:nvSpPr>
-        <p:spPr/>
-        <p:txBody>
-          <a:bodyPr>
-            <a:normAutofit/>
-          </a:bodyPr>
-          <a:lstStyle/>
-          <a:p>
-            <a:r>
-              <a:rPr lang="en-US" sz="1800" dirty="0"/>
-              <a:t>Discovering panoramas in web </a:t>
-            </a:r>
-            <a:r>
-              <a:rPr lang="en-US" sz="1800" dirty="0" smtClean="0"/>
-              <a:t>videos.</a:t>
-            </a:r>
-          </a:p>
-          <a:p>
-            <a:r>
-              <a:rPr lang="en-US" sz="1400" b="0" dirty="0" err="1" smtClean="0"/>
-              <a:t>Feng</a:t>
-            </a:r>
-            <a:r>
-              <a:rPr lang="en-US" sz="1400" b="0" dirty="0" smtClean="0"/>
-              <a:t> Liu, Yu-hen </a:t>
-            </a:r>
-            <a:r>
-              <a:rPr lang="en-US" sz="1400" b="0" dirty="0"/>
-              <a:t>Hu </a:t>
-            </a:r>
-            <a:r>
-              <a:rPr lang="en-US" sz="1400" b="0" dirty="0" smtClean="0"/>
-              <a:t>,Michael </a:t>
-            </a:r>
-            <a:r>
-              <a:rPr lang="en-US" sz="1400" b="0" dirty="0"/>
-              <a:t>L. </a:t>
-            </a:r>
-            <a:r>
-              <a:rPr lang="en-US" sz="1400" b="0" dirty="0" err="1"/>
-              <a:t>Gleicher</a:t>
-            </a:r>
-            <a:r>
-              <a:rPr lang="en-US" sz="1400" b="0" dirty="0" smtClean="0"/>
-              <a:t>, </a:t>
-            </a:r>
-            <a:r>
-              <a:rPr lang="en-US" sz="1400" b="0" i="1" dirty="0"/>
-              <a:t>Proceedings of the 16th ACM international conference on Multimedia</a:t>
-            </a:r>
-            <a:r>
-              <a:rPr lang="en-US" sz="1400" b="0" dirty="0"/>
-              <a:t>, October 26-31, 2008, Vancouver, British Columbia, </a:t>
-            </a:r>
-            <a:r>
-              <a:rPr lang="en-US" sz="1400" b="0" dirty="0" smtClean="0"/>
-              <a:t>Canada</a:t>
-            </a:r>
-          </a:p>
-          <a:p>
-            <a:r>
-              <a:rPr lang="en-US" sz="1800" dirty="0" smtClean="0"/>
-              <a:t>Comparison </a:t>
-            </a:r>
-            <a:r>
-              <a:rPr lang="en-US" sz="1800" dirty="0"/>
-              <a:t>of automatic shot boundary detection algorithms.</a:t>
-            </a:r>
-            <a:endParaRPr lang="en-US" sz="1800" dirty="0" smtClean="0"/>
-          </a:p>
-          <a:p>
-            <a:r>
-              <a:rPr lang="en-US" sz="1400" b="0" dirty="0" err="1" smtClean="0"/>
-              <a:t>Lienhart</a:t>
-            </a:r>
-            <a:r>
-              <a:rPr lang="en-US" sz="1400" b="0" dirty="0"/>
-              <a:t>, </a:t>
-            </a:r>
-            <a:r>
-              <a:rPr lang="en-US" sz="1400" b="0" dirty="0" smtClean="0"/>
-              <a:t>Rainer</a:t>
-            </a:r>
-          </a:p>
-          <a:p>
-            <a:r>
-              <a:rPr lang="en-US" sz="1800" dirty="0" smtClean="0"/>
-              <a:t>Blur </a:t>
-            </a:r>
-            <a:r>
-              <a:rPr lang="en-US" sz="1800" dirty="0"/>
-              <a:t>detection for digital images using wavelet </a:t>
-            </a:r>
-            <a:r>
-              <a:rPr lang="en-US" sz="1800" dirty="0" smtClean="0"/>
-              <a:t>transform.</a:t>
-            </a:r>
-            <a:endParaRPr lang="en-US" sz="1800" dirty="0"/>
-          </a:p>
-          <a:p>
-            <a:r>
-              <a:rPr lang="en-US" sz="1400" b="0" dirty="0"/>
-              <a:t>Tong, </a:t>
-            </a:r>
-            <a:r>
-              <a:rPr lang="en-US" sz="1400" b="0" dirty="0" err="1"/>
-              <a:t>Hanghang</a:t>
-            </a:r>
-            <a:r>
-              <a:rPr lang="en-US" sz="1400" b="0" dirty="0"/>
-              <a:t>, et al</a:t>
-            </a:r>
-            <a:r>
-              <a:rPr lang="en-US" sz="1400" b="0" dirty="0" smtClean="0"/>
-              <a:t>.</a:t>
-            </a:r>
-            <a:r>
-              <a:rPr lang="en-US" sz="1400" b="0" dirty="0"/>
-              <a:t> </a:t>
-            </a:r>
-            <a:r>
-              <a:rPr lang="en-US" sz="1400" b="0" i="1" dirty="0"/>
-              <a:t>Multimedia and Expo, 2004. ICME'04. 2004 IEEE International Conference on</a:t>
-            </a:r>
-            <a:r>
-              <a:rPr lang="en-US" sz="1400" b="0" dirty="0"/>
-              <a:t>. Vol. 1. IEEE, 2004</a:t>
-            </a:r>
-            <a:r>
-              <a:rPr lang="en-US" sz="1400" b="0" dirty="0" smtClean="0"/>
-              <a:t>.</a:t>
-            </a:r>
-            <a:endParaRPr lang="en-US" sz="1200" b="0" dirty="0" smtClean="0"/>
-          </a:p>
-          <a:p>
-            <a:r>
-              <a:rPr lang="en-US" sz="1800" dirty="0"/>
-              <a:t>No-reference perceptual quality assessment of JPEG compressed </a:t>
-            </a:r>
-            <a:r>
-              <a:rPr lang="en-US" sz="1800" dirty="0" smtClean="0"/>
-              <a:t>images.</a:t>
-            </a:r>
-            <a:endParaRPr lang="en-US" sz="1800" dirty="0"/>
-          </a:p>
-          <a:p>
-            <a:r>
-              <a:rPr lang="en-US" sz="1400" b="0" dirty="0"/>
-              <a:t>Wang, Zhou, Hamid R. Sheikh, and Alan C. </a:t>
-            </a:r>
-            <a:r>
-              <a:rPr lang="en-US" sz="1400" b="0" dirty="0" err="1"/>
-              <a:t>Bovik</a:t>
-            </a:r>
-            <a:r>
-              <a:rPr lang="en-US" sz="1400" b="0" dirty="0" smtClean="0"/>
-              <a:t>.</a:t>
-            </a:r>
-            <a:r>
-              <a:rPr lang="en-US" sz="1400" b="0" dirty="0"/>
-              <a:t> </a:t>
-            </a:r>
-            <a:r>
-              <a:rPr lang="en-US" sz="1400" b="0" i="1" dirty="0"/>
-              <a:t>Image Processing. 2002. Proceedings. 2002 International Conference on</a:t>
-            </a:r>
-            <a:r>
-              <a:rPr lang="en-US" sz="1400" b="0" dirty="0"/>
-              <a:t>. Vol. 1. IEEE, 2002</a:t>
-            </a:r>
-            <a:r>
-              <a:rPr lang="en-US" sz="1400" b="0" dirty="0" smtClean="0"/>
-              <a:t>.</a:t>
-            </a:r>
-          </a:p>
-          <a:p>
-            <a:endParaRPr lang="en-US" sz="1400" b="0" dirty="0"/>
-          </a:p>
-        </p:txBody>
-      </p:sp>
-    </p:spTree>
-    <p:extLst>
-      <p:ext uri="{BB962C8B-B14F-4D97-AF65-F5344CB8AC3E}">
-        <p14:creationId xmlns:p14="http://schemas.microsoft.com/office/powerpoint/2010/main" val="3879811325"/>
-      </p:ext>
-    </p:extLst>
-  </p:cSld>
-  <p:clrMapOvr>
-    <a:masterClrMapping/>
-  </p:clrMapOvr>
-</p:sld>
-</file>
-
-<file path=ppt/slides/slide4.xml><?xml version="1.0" encoding="utf-8"?>
-<p:sld xmlns:a="http://schemas.openxmlformats.org/drawingml/2006/main" xmlns:r="http://schemas.openxmlformats.org/officeDocument/2006/relationships" xmlns:p="http://schemas.openxmlformats.org/presentationml/2006/main">
-  <p:cSld>
-    <p:spTree>
-      <p:nvGrpSpPr>
-        <p:cNvPr id="1" name=""/>
-        <p:cNvGrpSpPr/>
-        <p:nvPr/>
-      </p:nvGrpSpPr>
-      <p:grpSpPr>
-        <a:xfrm>
-          <a:off x="0" y="0"/>
-          <a:ext cx="0" cy="0"/>
-          <a:chOff x="0" y="0"/>
-          <a:chExt cx="0" cy="0"/>
-        </a:xfrm>
-      </p:grpSpPr>
-      <p:sp>
-        <p:nvSpPr>
-          <p:cNvPr id="2" name="Title 1"/>
-          <p:cNvSpPr>
-            <a:spLocks noGrp="1"/>
-          </p:cNvSpPr>
-          <p:nvPr>
-            <p:ph type="title"/>
-          </p:nvPr>
-        </p:nvSpPr>
-        <p:spPr/>
-        <p:txBody>
-          <a:bodyPr/>
-          <a:lstStyle/>
-          <a:p>
-            <a:r>
-              <a:rPr lang="en-US" dirty="0" smtClean="0"/>
-              <a:t>methodology</a:t>
-            </a:r>
-            <a:endParaRPr lang="en-US" dirty="0"/>
-          </a:p>
-        </p:txBody>
-      </p:sp>
-      <p:sp>
-        <p:nvSpPr>
-          <p:cNvPr id="3" name="Content Placeholder 2"/>
-          <p:cNvSpPr>
-            <a:spLocks noGrp="1"/>
-          </p:cNvSpPr>
-          <p:nvPr>
-            <p:ph idx="1"/>
-          </p:nvPr>
-        </p:nvSpPr>
-        <p:spPr/>
-        <p:txBody>
-          <a:bodyPr>
-            <a:normAutofit/>
-          </a:bodyPr>
-          <a:lstStyle/>
-          <a:p>
-            <a:r>
-              <a:rPr lang="en-US" dirty="0" smtClean="0"/>
-              <a:t>Below is a high-level diagram of our application:</a:t>
-            </a:r>
-          </a:p>
-          <a:p>
-            <a:endParaRPr lang="en-US" dirty="0"/>
-          </a:p>
-          <a:p>
-            <a:endParaRPr lang="en-US" dirty="0" smtClean="0"/>
-          </a:p>
-          <a:p>
-            <a:endParaRPr lang="en-US" dirty="0"/>
-          </a:p>
-          <a:p>
-            <a:endParaRPr lang="en-US" dirty="0" smtClean="0"/>
-          </a:p>
-          <a:p>
-            <a:endParaRPr lang="en-US" dirty="0" smtClean="0"/>
-          </a:p>
-          <a:p>
-            <a:endParaRPr lang="en-US" sz="1600" dirty="0" smtClean="0"/>
-          </a:p>
-          <a:p>
-            <a:endParaRPr lang="en-US" sz="1600" dirty="0"/>
-          </a:p>
-          <a:p>
-            <a:endParaRPr lang="en-US" sz="1600" dirty="0" smtClean="0"/>
-          </a:p>
-          <a:p>
-            <a:r>
-              <a:rPr lang="en-US" sz="1600" dirty="0" smtClean="0"/>
-              <a:t>* Blurriness and </a:t>
-            </a:r>
-            <a:r>
-              <a:rPr lang="en-US" sz="1600" dirty="0" err="1" smtClean="0"/>
-              <a:t>Blockness</a:t>
-            </a:r>
-            <a:r>
-              <a:rPr lang="en-US" sz="1600" dirty="0" smtClean="0"/>
-              <a:t> are types of visual distortion quality measures that render a frame unusable if they are too high.</a:t>
-            </a:r>
-          </a:p>
-        </p:txBody>
-      </p:sp>
-      <p:pic>
-        <p:nvPicPr>
-          <p:cNvPr id="1027" name="Picture 3" descr="H:\EECS442\VideoPanoramaMaker\Documentation\method_diagram.png"/>
-          <p:cNvPicPr>
-            <a:picLocks noChangeAspect="1" noChangeArrowheads="1"/>
-          </p:cNvPicPr>
-          <p:nvPr/>
-        </p:nvPicPr>
-        <p:blipFill rotWithShape="1">
-          <a:blip r:embed="rId2" cstate="print">
-            <a:extLst>
-              <a:ext uri="{28A0092B-C50C-407E-A947-70E740481C1C}">
-                <a14:useLocalDpi xmlns:a14="http://schemas.microsoft.com/office/drawing/2010/main" val="0"/>
-              </a:ext>
-            </a:extLst>
-          </a:blip>
-          <a:srcRect t="25384" b="25641"/>
-          <a:stretch/>
-        </p:blipFill>
-        <p:spPr bwMode="auto">
-          <a:xfrm>
-            <a:off x="466436" y="2895600"/>
-            <a:ext cx="7610764" cy="1863662"/>
-          </a:xfrm>
-          <a:prstGeom prst="rect">
-            <a:avLst/>
-          </a:prstGeom>
-          <a:noFill/>
-          <a:extLst>
-            <a:ext uri="{909E8E84-426E-40DD-AFC4-6F175D3DCCD1}">
-              <a14:hiddenFill xmlns:a14="http://schemas.microsoft.com/office/drawing/2010/main">
-                <a:solidFill>
-                  <a:srgbClr val="FFFFFF"/>
-                </a:solidFill>
-              </a14:hiddenFill>
-            </a:ext>
-          </a:extLst>
-        </p:spPr>
-      </p:pic>
-    </p:spTree>
-    <p:extLst>
-      <p:ext uri="{BB962C8B-B14F-4D97-AF65-F5344CB8AC3E}">
-        <p14:creationId xmlns:p14="http://schemas.microsoft.com/office/powerpoint/2010/main" val="3651251074"/>
-      </p:ext>
-    </p:extLst>
-  </p:cSld>
-  <p:clrMapOvr>
-    <a:masterClrMapping/>
-  </p:clrMapOvr>
-</p:sld>
-</file>
-
-<file path=ppt/slides/slide5.xml><?xml version="1.0" encoding="utf-8"?>
-<p:sld xmlns:a="http://schemas.openxmlformats.org/drawingml/2006/main" xmlns:r="http://schemas.openxmlformats.org/officeDocument/2006/relationships" xmlns:p="http://schemas.openxmlformats.org/presentationml/2006/main">
-  <p:cSld>
-    <p:spTree>
-      <p:nvGrpSpPr>
-        <p:cNvPr id="1" name=""/>
-        <p:cNvGrpSpPr/>
-        <p:nvPr/>
-      </p:nvGrpSpPr>
-      <p:grpSpPr>
-        <a:xfrm>
-          <a:off x="0" y="0"/>
-          <a:ext cx="0" cy="0"/>
-          <a:chOff x="0" y="0"/>
-          <a:chExt cx="0" cy="0"/>
-        </a:xfrm>
-      </p:grpSpPr>
-      <p:sp>
-        <p:nvSpPr>
-          <p:cNvPr id="2" name="Title 1"/>
-          <p:cNvSpPr>
-            <a:spLocks noGrp="1"/>
-          </p:cNvSpPr>
-          <p:nvPr>
-            <p:ph type="title"/>
-          </p:nvPr>
-        </p:nvSpPr>
-        <p:spPr/>
-        <p:txBody>
-          <a:bodyPr/>
-          <a:lstStyle/>
-          <a:p>
-            <a:r>
-              <a:rPr lang="en-US" dirty="0" smtClean="0"/>
-              <a:t>Implementation challenges</a:t>
-            </a:r>
-            <a:endParaRPr lang="en-US" dirty="0"/>
-          </a:p>
-        </p:txBody>
-      </p:sp>
-      <p:sp>
-        <p:nvSpPr>
-          <p:cNvPr id="3" name="Content Placeholder 2"/>
-          <p:cNvSpPr>
-            <a:spLocks noGrp="1"/>
-          </p:cNvSpPr>
-          <p:nvPr>
-            <p:ph idx="1"/>
-          </p:nvPr>
-        </p:nvSpPr>
-        <p:spPr/>
-        <p:txBody>
-          <a:bodyPr/>
-          <a:lstStyle/>
-          <a:p>
-            <a:r>
-              <a:rPr lang="en-US" i="1" dirty="0" smtClean="0"/>
-              <a:t>Shot detection algorithm.</a:t>
-            </a:r>
-          </a:p>
-          <a:p>
-            <a:r>
-              <a:rPr lang="en-US" dirty="0" smtClean="0"/>
-              <a:t>Identifying a contiguous set of frames comprising continuous camera motion.</a:t>
-            </a:r>
-          </a:p>
-          <a:p>
-            <a:endParaRPr lang="en-US" dirty="0"/>
-          </a:p>
-          <a:p>
-            <a:r>
-              <a:rPr lang="en-US" i="1" dirty="0" smtClean="0"/>
-              <a:t>Panorama discovery algorithm.</a:t>
-            </a:r>
-          </a:p>
-          <a:p>
-            <a:r>
-              <a:rPr lang="en-US" dirty="0" smtClean="0"/>
-              <a:t>Identifying the best panoramas from a single shot.</a:t>
-            </a:r>
-          </a:p>
-          <a:p>
-            <a:endParaRPr lang="en-US" dirty="0"/>
-          </a:p>
-          <a:p>
-            <a:r>
-              <a:rPr lang="en-US" i="1" dirty="0" smtClean="0"/>
-              <a:t>Blending algorithm.</a:t>
-            </a:r>
-          </a:p>
-          <a:p>
-            <a:r>
-              <a:rPr lang="en-US" dirty="0" smtClean="0"/>
-              <a:t>Correctly aligning and blending individual frames into a single image.</a:t>
-            </a:r>
-          </a:p>
-        </p:txBody>
-      </p:sp>
-    </p:spTree>
-    <p:extLst>
-      <p:ext uri="{BB962C8B-B14F-4D97-AF65-F5344CB8AC3E}">
-        <p14:creationId xmlns:p14="http://schemas.microsoft.com/office/powerpoint/2010/main" val="3808539900"/>
-      </p:ext>
-    </p:extLst>
-  </p:cSld>
-  <p:clrMapOvr>
-    <a:masterClrMapping/>
-  </p:clrMapOvr>
-</p:sld>
-</file>
-
-<file path=ppt/slides/slide6.xml><?xml version="1.0" encoding="utf-8"?>
-<p:sld xmlns:a="http://schemas.openxmlformats.org/drawingml/2006/main" xmlns:r="http://schemas.openxmlformats.org/officeDocument/2006/relationships" xmlns:p="http://schemas.openxmlformats.org/presentationml/2006/main">
-  <p:cSld>
-    <p:spTree>
-      <p:nvGrpSpPr>
-        <p:cNvPr id="1" name=""/>
-        <p:cNvGrpSpPr/>
-        <p:nvPr/>
-      </p:nvGrpSpPr>
-      <p:grpSpPr>
-        <a:xfrm>
-          <a:off x="0" y="0"/>
-          <a:ext cx="0" cy="0"/>
-          <a:chOff x="0" y="0"/>
-          <a:chExt cx="0" cy="0"/>
-        </a:xfrm>
-      </p:grpSpPr>
-      <p:sp>
-        <p:nvSpPr>
-          <p:cNvPr id="2" name="Title 1"/>
-          <p:cNvSpPr>
-            <a:spLocks noGrp="1"/>
-          </p:cNvSpPr>
-          <p:nvPr>
-            <p:ph type="title"/>
-          </p:nvPr>
-        </p:nvSpPr>
-        <p:spPr/>
-        <p:txBody>
-          <a:bodyPr/>
-          <a:lstStyle/>
-          <a:p>
-            <a:r>
-              <a:rPr lang="en-US" dirty="0" smtClean="0"/>
-              <a:t>Results I</a:t>
-            </a:r>
-            <a:endParaRPr lang="en-US" dirty="0"/>
-          </a:p>
-        </p:txBody>
-      </p:sp>
-      <p:sp>
-        <p:nvSpPr>
-          <p:cNvPr id="3" name="Content Placeholder 2"/>
-          <p:cNvSpPr>
-            <a:spLocks noGrp="1"/>
-          </p:cNvSpPr>
-          <p:nvPr>
-            <p:ph idx="1"/>
-          </p:nvPr>
-        </p:nvSpPr>
-        <p:spPr/>
-        <p:txBody>
-          <a:bodyPr/>
-          <a:lstStyle/>
-          <a:p>
-            <a:r>
-              <a:rPr lang="en-US" dirty="0" smtClean="0"/>
-              <a:t>Testing for multiple shots</a:t>
-            </a:r>
-            <a:r>
-              <a:rPr lang="en-US" dirty="0" smtClean="0"/>
-              <a:t>.</a:t>
-            </a:r>
-          </a:p>
-          <a:p>
-            <a:endParaRPr lang="en-US" dirty="0"/>
-          </a:p>
-        </p:txBody>
-      </p:sp>
-      <p:pic>
-        <p:nvPicPr>
-          <p:cNvPr id="1026" name="Picture 2" descr="H:\442\project\VideoPanoramaMaker\panorama_pan_2_shots_1_3.jpg"/>
-          <p:cNvPicPr>
-            <a:picLocks noChangeAspect="1" noChangeArrowheads="1"/>
-          </p:cNvPicPr>
-          <p:nvPr/>
-        </p:nvPicPr>
-        <p:blipFill>
-          <a:blip r:embed="rId2">
-            <a:extLst>
-              <a:ext uri="{28A0092B-C50C-407E-A947-70E740481C1C}">
-                <a14:useLocalDpi xmlns:a14="http://schemas.microsoft.com/office/drawing/2010/main" val="0"/>
-              </a:ext>
-            </a:extLst>
-          </a:blip>
-          <a:srcRect/>
-          <a:stretch>
-            <a:fillRect/>
-          </a:stretch>
-        </p:blipFill>
-        <p:spPr bwMode="auto">
-          <a:xfrm>
-            <a:off x="152400" y="2253164"/>
-            <a:ext cx="8686800" cy="1937836"/>
-          </a:xfrm>
-          <a:prstGeom prst="rect">
-            <a:avLst/>
-          </a:prstGeom>
-          <a:noFill/>
-          <a:extLst>
-            <a:ext uri="{909E8E84-426E-40DD-AFC4-6F175D3DCCD1}">
-              <a14:hiddenFill xmlns:a14="http://schemas.microsoft.com/office/drawing/2010/main">
-                <a:solidFill>
-                  <a:srgbClr val="FFFFFF"/>
-                </a:solidFill>
-              </a14:hiddenFill>
-            </a:ext>
-          </a:extLst>
-        </p:spPr>
-      </p:pic>
-      <p:pic>
-        <p:nvPicPr>
-          <p:cNvPr id="1027" name="Picture 3" descr="H:\442\project\VideoPanoramaMaker\panorama_pan_2_shots_7_2.jpg"/>
-          <p:cNvPicPr>
-            <a:picLocks noChangeAspect="1" noChangeArrowheads="1"/>
-          </p:cNvPicPr>
-          <p:nvPr/>
-        </p:nvPicPr>
-        <p:blipFill>
-          <a:blip r:embed="rId3">
-            <a:extLst>
-              <a:ext uri="{28A0092B-C50C-407E-A947-70E740481C1C}">
-                <a14:useLocalDpi xmlns:a14="http://schemas.microsoft.com/office/drawing/2010/main" val="0"/>
-              </a:ext>
-            </a:extLst>
-          </a:blip>
-          <a:srcRect/>
-          <a:stretch>
-            <a:fillRect/>
-          </a:stretch>
-        </p:blipFill>
-        <p:spPr bwMode="auto">
-          <a:xfrm>
-            <a:off x="152400" y="4419600"/>
-            <a:ext cx="8686800" cy="2209800"/>
-          </a:xfrm>
-          <a:prstGeom prst="rect">
-            <a:avLst/>
-          </a:prstGeom>
-          <a:noFill/>
-          <a:extLst>
-            <a:ext uri="{909E8E84-426E-40DD-AFC4-6F175D3DCCD1}">
-              <a14:hiddenFill xmlns:a14="http://schemas.microsoft.com/office/drawing/2010/main">
-                <a:solidFill>
-                  <a:srgbClr val="FFFFFF"/>
-                </a:solidFill>
-              </a14:hiddenFill>
-            </a:ext>
-          </a:extLst>
-        </p:spPr>
-      </p:pic>
-    </p:spTree>
-    <p:extLst>
-      <p:ext uri="{BB962C8B-B14F-4D97-AF65-F5344CB8AC3E}">
-        <p14:creationId xmlns:p14="http://schemas.microsoft.com/office/powerpoint/2010/main" val="2771243060"/>
-      </p:ext>
-    </p:extLst>
-  </p:cSld>
-  <p:clrMapOvr>
-    <a:masterClrMapping/>
-  </p:clrMapOvr>
-</p:sld>
-</file>
-
-<file path=ppt/slides/slide7.xml><?xml version="1.0" encoding="utf-8"?>
-<p:sld xmlns:a="http://schemas.openxmlformats.org/drawingml/2006/main" xmlns:r="http://schemas.openxmlformats.org/officeDocument/2006/relationships" xmlns:p="http://schemas.openxmlformats.org/presentationml/2006/main">
-  <p:cSld>
-    <p:spTree>
-      <p:nvGrpSpPr>
-        <p:cNvPr id="1" name=""/>
-        <p:cNvGrpSpPr/>
-        <p:nvPr/>
-      </p:nvGrpSpPr>
-      <p:grpSpPr>
-        <a:xfrm>
-          <a:off x="0" y="0"/>
-          <a:ext cx="0" cy="0"/>
-          <a:chOff x="0" y="0"/>
-          <a:chExt cx="0" cy="0"/>
-        </a:xfrm>
-      </p:grpSpPr>
-      <p:sp>
-        <p:nvSpPr>
-          <p:cNvPr id="2" name="Title 1"/>
-          <p:cNvSpPr>
-            <a:spLocks noGrp="1"/>
-          </p:cNvSpPr>
-          <p:nvPr>
-            <p:ph type="title"/>
-          </p:nvPr>
-        </p:nvSpPr>
-        <p:spPr/>
-        <p:txBody>
-          <a:bodyPr/>
-          <a:lstStyle/>
-          <a:p>
-            <a:r>
-              <a:rPr lang="en-US" dirty="0" smtClean="0"/>
-              <a:t>Results ii</a:t>
-            </a:r>
-            <a:endParaRPr lang="en-US" dirty="0"/>
-          </a:p>
-        </p:txBody>
-      </p:sp>
-      <p:sp>
-        <p:nvSpPr>
-          <p:cNvPr id="3" name="Content Placeholder 2"/>
-          <p:cNvSpPr>
-            <a:spLocks noGrp="1"/>
-          </p:cNvSpPr>
-          <p:nvPr>
-            <p:ph idx="1"/>
-          </p:nvPr>
-        </p:nvSpPr>
-        <p:spPr/>
-        <p:txBody>
-          <a:bodyPr/>
-          <a:lstStyle/>
-          <a:p>
-            <a:r>
-              <a:rPr lang="en-US" dirty="0" smtClean="0"/>
-              <a:t>Testing for multiple panoramas in one shot.</a:t>
-            </a:r>
-          </a:p>
-          <a:p>
-            <a:r>
-              <a:rPr lang="en-US" dirty="0" smtClean="0"/>
-              <a:t>Panorama #1:</a:t>
-            </a:r>
-            <a:endParaRPr lang="en-US" dirty="0"/>
-          </a:p>
-        </p:txBody>
-      </p:sp>
-      <p:pic>
-        <p:nvPicPr>
-          <p:cNvPr id="3080" name="Picture 8" descr="H:\EECS442\VideoPanoramaMaker\oneShotDemos\WestLakeHangzhou\pan1.jpg"/>
-          <p:cNvPicPr>
-            <a:picLocks noChangeAspect="1" noChangeArrowheads="1"/>
-          </p:cNvPicPr>
-          <p:nvPr/>
-        </p:nvPicPr>
-        <p:blipFill rotWithShape="1">
-          <a:blip r:embed="rId2">
-            <a:extLst>
-              <a:ext uri="{28A0092B-C50C-407E-A947-70E740481C1C}">
-                <a14:useLocalDpi xmlns:a14="http://schemas.microsoft.com/office/drawing/2010/main" val="0"/>
-              </a:ext>
-            </a:extLst>
-          </a:blip>
-          <a:srcRect l="3965" t="5217" r="4016" b="10821"/>
-          <a:stretch/>
-        </p:blipFill>
-        <p:spPr bwMode="auto">
-          <a:xfrm>
-            <a:off x="533400" y="2664666"/>
-            <a:ext cx="7613073" cy="1754934"/>
-          </a:xfrm>
-          <a:prstGeom prst="rect">
-            <a:avLst/>
-          </a:prstGeom>
-          <a:noFill/>
-          <a:extLst>
-            <a:ext uri="{909E8E84-426E-40DD-AFC4-6F175D3DCCD1}">
-              <a14:hiddenFill xmlns:a14="http://schemas.microsoft.com/office/drawing/2010/main">
-                <a:solidFill>
-                  <a:srgbClr val="FFFFFF"/>
-                </a:solidFill>
-              </a14:hiddenFill>
-            </a:ext>
-          </a:extLst>
-        </p:spPr>
-      </p:pic>
-    </p:spTree>
-    <p:extLst>
-      <p:ext uri="{BB962C8B-B14F-4D97-AF65-F5344CB8AC3E}">
-        <p14:creationId xmlns:p14="http://schemas.microsoft.com/office/powerpoint/2010/main" val="1855913633"/>
-      </p:ext>
-    </p:extLst>
-  </p:cSld>
-  <p:clrMapOvr>
-    <a:masterClrMapping/>
-  </p:clrMapOvr>
-</p:sld>
-</file>
-
-<file path=ppt/slides/slide8.xml><?xml version="1.0" encoding="utf-8"?>
-<p:sld xmlns:a="http://schemas.openxmlformats.org/drawingml/2006/main" xmlns:r="http://schemas.openxmlformats.org/officeDocument/2006/relationships" xmlns:p="http://schemas.openxmlformats.org/presentationml/2006/main">
-  <p:cSld>
-    <p:spTree>
-      <p:nvGrpSpPr>
-        <p:cNvPr id="1" name=""/>
-        <p:cNvGrpSpPr/>
-        <p:nvPr/>
-      </p:nvGrpSpPr>
-      <p:grpSpPr>
-        <a:xfrm>
-          <a:off x="0" y="0"/>
-          <a:ext cx="0" cy="0"/>
-          <a:chOff x="0" y="0"/>
-          <a:chExt cx="0" cy="0"/>
-        </a:xfrm>
-      </p:grpSpPr>
-      <p:sp>
-        <p:nvSpPr>
-          <p:cNvPr id="2" name="Title 1"/>
-          <p:cNvSpPr>
-            <a:spLocks noGrp="1"/>
-          </p:cNvSpPr>
-          <p:nvPr>
-            <p:ph type="title"/>
-          </p:nvPr>
-        </p:nvSpPr>
-        <p:spPr/>
-        <p:txBody>
-          <a:bodyPr/>
-          <a:lstStyle/>
-          <a:p>
-            <a:r>
-              <a:rPr lang="en-US" dirty="0" smtClean="0"/>
-              <a:t>Results ii</a:t>
-            </a:r>
-            <a:endParaRPr lang="en-US" dirty="0"/>
-          </a:p>
-        </p:txBody>
-      </p:sp>
-      <p:sp>
-        <p:nvSpPr>
-          <p:cNvPr id="3" name="Content Placeholder 2"/>
-          <p:cNvSpPr>
-            <a:spLocks noGrp="1"/>
-          </p:cNvSpPr>
-          <p:nvPr>
-            <p:ph idx="1"/>
-          </p:nvPr>
-        </p:nvSpPr>
-        <p:spPr/>
-        <p:txBody>
-          <a:bodyPr/>
-          <a:lstStyle/>
-          <a:p>
-            <a:r>
-              <a:rPr lang="en-US" dirty="0" smtClean="0"/>
-              <a:t>Panorama #2:</a:t>
+              <a:t>#1:</a:t>
             </a:r>
             <a:endParaRPr lang="en-US" dirty="0"/>
           </a:p>
@@ -5066,7 +4124,139 @@
 </p:sld>
 </file>
 
-<file path=ppt/slides/slide9.xml><?xml version="1.0" encoding="utf-8"?>
+<file path=ppt/slides/slide12.xml><?xml version="1.0" encoding="utf-8"?>
+<p:sld xmlns:a="http://schemas.openxmlformats.org/drawingml/2006/main" xmlns:r="http://schemas.openxmlformats.org/officeDocument/2006/relationships" xmlns:p="http://schemas.openxmlformats.org/presentationml/2006/main">
+  <p:cSld>
+    <p:spTree>
+      <p:nvGrpSpPr>
+        <p:cNvPr id="1" name=""/>
+        <p:cNvGrpSpPr/>
+        <p:nvPr/>
+      </p:nvGrpSpPr>
+      <p:grpSpPr>
+        <a:xfrm>
+          <a:off x="0" y="0"/>
+          <a:ext cx="0" cy="0"/>
+          <a:chOff x="0" y="0"/>
+          <a:chExt cx="0" cy="0"/>
+        </a:xfrm>
+      </p:grpSpPr>
+      <p:sp>
+        <p:nvSpPr>
+          <p:cNvPr id="2" name="Title 1"/>
+          <p:cNvSpPr>
+            <a:spLocks noGrp="1"/>
+          </p:cNvSpPr>
+          <p:nvPr>
+            <p:ph type="title"/>
+          </p:nvPr>
+        </p:nvSpPr>
+        <p:spPr/>
+        <p:txBody>
+          <a:bodyPr/>
+          <a:lstStyle/>
+          <a:p>
+            <a:r>
+              <a:rPr lang="en-US" dirty="0" smtClean="0"/>
+              <a:t>Results ii</a:t>
+            </a:r>
+            <a:endParaRPr lang="en-US" dirty="0"/>
+          </a:p>
+        </p:txBody>
+      </p:sp>
+      <p:sp>
+        <p:nvSpPr>
+          <p:cNvPr id="3" name="Content Placeholder 2"/>
+          <p:cNvSpPr>
+            <a:spLocks noGrp="1"/>
+          </p:cNvSpPr>
+          <p:nvPr>
+            <p:ph idx="1"/>
+          </p:nvPr>
+        </p:nvSpPr>
+        <p:spPr/>
+        <p:txBody>
+          <a:bodyPr/>
+          <a:lstStyle/>
+          <a:p>
+            <a:r>
+              <a:rPr lang="en-US" dirty="0" smtClean="0"/>
+              <a:t>Testing for multiple panoramas in one shot.</a:t>
+            </a:r>
+          </a:p>
+          <a:p>
+            <a:r>
+              <a:rPr lang="en-US" dirty="0" smtClean="0"/>
+              <a:t>Panorama </a:t>
+            </a:r>
+            <a:r>
+              <a:rPr lang="en-US" dirty="0" smtClean="0"/>
+              <a:t>#2:</a:t>
+            </a:r>
+            <a:endParaRPr lang="en-US" dirty="0"/>
+          </a:p>
+        </p:txBody>
+      </p:sp>
+      <p:pic>
+        <p:nvPicPr>
+          <p:cNvPr id="3080" name="Picture 8" descr="H:\EECS442\VideoPanoramaMaker\oneShotDemos\WestLakeHangzhou\pan1.jpg"/>
+          <p:cNvPicPr>
+            <a:picLocks noChangeAspect="1" noChangeArrowheads="1"/>
+          </p:cNvPicPr>
+          <p:nvPr/>
+        </p:nvPicPr>
+        <p:blipFill rotWithShape="1">
+          <a:blip r:embed="rId2">
+            <a:extLst>
+              <a:ext uri="{28A0092B-C50C-407E-A947-70E740481C1C}">
+                <a14:useLocalDpi xmlns:a14="http://schemas.microsoft.com/office/drawing/2010/main" val="0"/>
+              </a:ext>
+            </a:extLst>
+          </a:blip>
+          <a:srcRect l="3965" t="5217" r="4016" b="10821"/>
+          <a:stretch/>
+        </p:blipFill>
+        <p:spPr bwMode="auto">
+          <a:xfrm>
+            <a:off x="533400" y="2664666"/>
+            <a:ext cx="7613073" cy="1754934"/>
+          </a:xfrm>
+          <a:prstGeom prst="rect">
+            <a:avLst/>
+          </a:prstGeom>
+          <a:noFill/>
+          <a:extLst>
+            <a:ext uri="{909E8E84-426E-40DD-AFC4-6F175D3DCCD1}">
+              <a14:hiddenFill xmlns:a14="http://schemas.microsoft.com/office/drawing/2010/main">
+                <a:solidFill>
+                  <a:srgbClr val="FFFFFF"/>
+                </a:solidFill>
+              </a14:hiddenFill>
+            </a:ext>
+          </a:extLst>
+        </p:spPr>
+      </p:pic>
+    </p:spTree>
+    <p:extLst>
+      <p:ext uri="{BB962C8B-B14F-4D97-AF65-F5344CB8AC3E}">
+        <p14:creationId xmlns:p14="http://schemas.microsoft.com/office/powerpoint/2010/main" val="1855913633"/>
+      </p:ext>
+    </p:extLst>
+  </p:cSld>
+  <p:clrMapOvr>
+    <a:masterClrMapping/>
+  </p:clrMapOvr>
+  <p:timing>
+    <p:tnLst>
+      <p:par>
+        <p:cTn id="1" dur="indefinite" restart="never" nodeType="tmRoot"/>
+      </p:par>
+    </p:tnLst>
+  </p:timing>
+</p:sld>
+</file>
+
+<file path=ppt/slides/slide13.xml><?xml version="1.0" encoding="utf-8"?>
 <p:sld xmlns:a="http://schemas.openxmlformats.org/drawingml/2006/main" xmlns:r="http://schemas.openxmlformats.org/officeDocument/2006/relationships" xmlns:p="http://schemas.openxmlformats.org/presentationml/2006/main">
   <p:cSld>
     <p:spTree>
@@ -5241,6 +4431,1364 @@
   <p:clrMapOvr>
     <a:masterClrMapping/>
   </p:clrMapOvr>
+</p:sld>
+</file>
+
+<file path=ppt/slides/slide14.xml><?xml version="1.0" encoding="utf-8"?>
+<p:sld xmlns:a="http://schemas.openxmlformats.org/drawingml/2006/main" xmlns:r="http://schemas.openxmlformats.org/officeDocument/2006/relationships" xmlns:p="http://schemas.openxmlformats.org/presentationml/2006/main">
+  <p:cSld>
+    <p:spTree>
+      <p:nvGrpSpPr>
+        <p:cNvPr id="1" name=""/>
+        <p:cNvGrpSpPr/>
+        <p:nvPr/>
+      </p:nvGrpSpPr>
+      <p:grpSpPr>
+        <a:xfrm>
+          <a:off x="0" y="0"/>
+          <a:ext cx="0" cy="0"/>
+          <a:chOff x="0" y="0"/>
+          <a:chExt cx="0" cy="0"/>
+        </a:xfrm>
+      </p:grpSpPr>
+      <p:sp>
+        <p:nvSpPr>
+          <p:cNvPr id="2" name="Title 1"/>
+          <p:cNvSpPr>
+            <a:spLocks noGrp="1"/>
+          </p:cNvSpPr>
+          <p:nvPr>
+            <p:ph type="title"/>
+          </p:nvPr>
+        </p:nvSpPr>
+        <p:spPr/>
+        <p:txBody>
+          <a:bodyPr>
+            <a:normAutofit/>
+          </a:bodyPr>
+          <a:lstStyle/>
+          <a:p>
+            <a:r>
+              <a:rPr lang="en-US" dirty="0" smtClean="0"/>
+              <a:t>Conclusions &amp; improvements</a:t>
+            </a:r>
+            <a:endParaRPr lang="en-US" dirty="0"/>
+          </a:p>
+        </p:txBody>
+      </p:sp>
+      <p:sp>
+        <p:nvSpPr>
+          <p:cNvPr id="3" name="Content Placeholder 2"/>
+          <p:cNvSpPr>
+            <a:spLocks noGrp="1"/>
+          </p:cNvSpPr>
+          <p:nvPr>
+            <p:ph idx="1"/>
+          </p:nvPr>
+        </p:nvSpPr>
+        <p:spPr/>
+        <p:txBody>
+          <a:bodyPr/>
+          <a:lstStyle/>
+          <a:p>
+            <a:r>
+              <a:rPr lang="en-US" dirty="0" smtClean="0"/>
+              <a:t>Accommodate sources with skew and rotation.</a:t>
+            </a:r>
+          </a:p>
+          <a:p>
+            <a:endParaRPr lang="en-US" dirty="0" smtClean="0"/>
+          </a:p>
+          <a:p>
+            <a:r>
+              <a:rPr lang="en-US" dirty="0" smtClean="0"/>
+              <a:t>Eject bad frames with no feature points/obfuscated image.</a:t>
+            </a:r>
+          </a:p>
+          <a:p>
+            <a:endParaRPr lang="en-US" dirty="0"/>
+          </a:p>
+          <a:p>
+            <a:r>
+              <a:rPr lang="en-US" dirty="0" smtClean="0"/>
+              <a:t>Integrate optical flow.</a:t>
+            </a:r>
+          </a:p>
+          <a:p>
+            <a:endParaRPr lang="en-US" dirty="0"/>
+          </a:p>
+          <a:p>
+            <a:r>
+              <a:rPr lang="en-US" dirty="0" smtClean="0"/>
+              <a:t>Introduce basic automatic tuning</a:t>
+            </a:r>
+            <a:r>
+              <a:rPr lang="en-US" dirty="0" smtClean="0"/>
+              <a:t>.</a:t>
+            </a:r>
+          </a:p>
+          <a:p>
+            <a:endParaRPr lang="en-US" dirty="0"/>
+          </a:p>
+          <a:p>
+            <a:r>
+              <a:rPr lang="en-US" dirty="0" smtClean="0"/>
+              <a:t>Color correction in blending.</a:t>
+            </a:r>
+            <a:endParaRPr lang="en-US" dirty="0"/>
+          </a:p>
+        </p:txBody>
+      </p:sp>
+    </p:spTree>
+    <p:extLst>
+      <p:ext uri="{BB962C8B-B14F-4D97-AF65-F5344CB8AC3E}">
+        <p14:creationId xmlns:p14="http://schemas.microsoft.com/office/powerpoint/2010/main" val="3302425381"/>
+      </p:ext>
+    </p:extLst>
+  </p:cSld>
+  <p:clrMapOvr>
+    <a:masterClrMapping/>
+  </p:clrMapOvr>
+</p:sld>
+</file>
+
+<file path=ppt/slides/slide15.xml><?xml version="1.0" encoding="utf-8"?>
+<p:sld xmlns:a="http://schemas.openxmlformats.org/drawingml/2006/main" xmlns:r="http://schemas.openxmlformats.org/officeDocument/2006/relationships" xmlns:p="http://schemas.openxmlformats.org/presentationml/2006/main">
+  <p:cSld>
+    <p:spTree>
+      <p:nvGrpSpPr>
+        <p:cNvPr id="1" name=""/>
+        <p:cNvGrpSpPr/>
+        <p:nvPr/>
+      </p:nvGrpSpPr>
+      <p:grpSpPr>
+        <a:xfrm>
+          <a:off x="0" y="0"/>
+          <a:ext cx="0" cy="0"/>
+          <a:chOff x="0" y="0"/>
+          <a:chExt cx="0" cy="0"/>
+        </a:xfrm>
+      </p:grpSpPr>
+      <p:sp>
+        <p:nvSpPr>
+          <p:cNvPr id="2" name="Title 1"/>
+          <p:cNvSpPr>
+            <a:spLocks noGrp="1"/>
+          </p:cNvSpPr>
+          <p:nvPr>
+            <p:ph type="title"/>
+          </p:nvPr>
+        </p:nvSpPr>
+        <p:spPr/>
+        <p:txBody>
+          <a:bodyPr/>
+          <a:lstStyle/>
+          <a:p>
+            <a:r>
+              <a:rPr lang="en-US" dirty="0" smtClean="0"/>
+              <a:t>questions</a:t>
+            </a:r>
+            <a:endParaRPr lang="en-US" dirty="0"/>
+          </a:p>
+        </p:txBody>
+      </p:sp>
+      <p:sp>
+        <p:nvSpPr>
+          <p:cNvPr id="3" name="Content Placeholder 2"/>
+          <p:cNvSpPr>
+            <a:spLocks noGrp="1"/>
+          </p:cNvSpPr>
+          <p:nvPr>
+            <p:ph idx="1"/>
+          </p:nvPr>
+        </p:nvSpPr>
+        <p:spPr/>
+        <p:txBody>
+          <a:bodyPr/>
+          <a:lstStyle/>
+          <a:p>
+            <a:endParaRPr lang="en-US"/>
+          </a:p>
+        </p:txBody>
+      </p:sp>
+    </p:spTree>
+    <p:extLst>
+      <p:ext uri="{BB962C8B-B14F-4D97-AF65-F5344CB8AC3E}">
+        <p14:creationId xmlns:p14="http://schemas.microsoft.com/office/powerpoint/2010/main" val="930922018"/>
+      </p:ext>
+    </p:extLst>
+  </p:cSld>
+  <p:clrMapOvr>
+    <a:masterClrMapping/>
+  </p:clrMapOvr>
+</p:sld>
+</file>
+
+<file path=ppt/slides/slide2.xml><?xml version="1.0" encoding="utf-8"?>
+<p:sld xmlns:a="http://schemas.openxmlformats.org/drawingml/2006/main" xmlns:r="http://schemas.openxmlformats.org/officeDocument/2006/relationships" xmlns:p="http://schemas.openxmlformats.org/presentationml/2006/main">
+  <p:cSld>
+    <p:spTree>
+      <p:nvGrpSpPr>
+        <p:cNvPr id="1" name=""/>
+        <p:cNvGrpSpPr/>
+        <p:nvPr/>
+      </p:nvGrpSpPr>
+      <p:grpSpPr>
+        <a:xfrm>
+          <a:off x="0" y="0"/>
+          <a:ext cx="0" cy="0"/>
+          <a:chOff x="0" y="0"/>
+          <a:chExt cx="0" cy="0"/>
+        </a:xfrm>
+      </p:grpSpPr>
+      <p:sp>
+        <p:nvSpPr>
+          <p:cNvPr id="2" name="Title 1"/>
+          <p:cNvSpPr>
+            <a:spLocks noGrp="1"/>
+          </p:cNvSpPr>
+          <p:nvPr>
+            <p:ph type="title"/>
+          </p:nvPr>
+        </p:nvSpPr>
+        <p:spPr/>
+        <p:txBody>
+          <a:bodyPr/>
+          <a:lstStyle/>
+          <a:p>
+            <a:r>
+              <a:rPr lang="en-US" dirty="0" smtClean="0"/>
+              <a:t>Problem statement &amp; Motivation</a:t>
+            </a:r>
+            <a:endParaRPr lang="en-US" dirty="0"/>
+          </a:p>
+        </p:txBody>
+      </p:sp>
+      <p:sp>
+        <p:nvSpPr>
+          <p:cNvPr id="3" name="Content Placeholder 2"/>
+          <p:cNvSpPr>
+            <a:spLocks noGrp="1"/>
+          </p:cNvSpPr>
+          <p:nvPr>
+            <p:ph idx="1"/>
+          </p:nvPr>
+        </p:nvSpPr>
+        <p:spPr/>
+        <p:txBody>
+          <a:bodyPr/>
+          <a:lstStyle/>
+          <a:p>
+            <a:r>
+              <a:rPr lang="en-US" dirty="0" smtClean="0"/>
+              <a:t>There is no viable method for extracting panoramas from web videos.</a:t>
+            </a:r>
+          </a:p>
+          <a:p>
+            <a:endParaRPr lang="en-US" dirty="0" smtClean="0"/>
+          </a:p>
+          <a:p>
+            <a:r>
+              <a:rPr lang="en-US" dirty="0" smtClean="0"/>
+              <a:t>Research currently focusses on panorama stitching rather than discovery.</a:t>
+            </a:r>
+          </a:p>
+          <a:p>
+            <a:endParaRPr lang="en-US" dirty="0"/>
+          </a:p>
+          <a:p>
+            <a:r>
+              <a:rPr lang="en-US" dirty="0" smtClean="0"/>
+              <a:t>Videos are a rich source of panoramas as each shot consists of a sequence of images constituting a scene.</a:t>
+            </a:r>
+          </a:p>
+          <a:p>
+            <a:endParaRPr lang="en-US" dirty="0"/>
+          </a:p>
+          <a:p>
+            <a:r>
+              <a:rPr lang="en-US" dirty="0" smtClean="0"/>
+              <a:t>With YouTube, </a:t>
+            </a:r>
+            <a:r>
+              <a:rPr lang="en-US" dirty="0" err="1" smtClean="0"/>
+              <a:t>Vimeo</a:t>
+            </a:r>
+            <a:r>
+              <a:rPr lang="en-US" dirty="0" smtClean="0"/>
+              <a:t>, and various other video hosting sites, there are many potential sources of panoramas.</a:t>
+            </a:r>
+            <a:endParaRPr lang="en-US" dirty="0"/>
+          </a:p>
+        </p:txBody>
+      </p:sp>
+    </p:spTree>
+    <p:extLst>
+      <p:ext uri="{BB962C8B-B14F-4D97-AF65-F5344CB8AC3E}">
+        <p14:creationId xmlns:p14="http://schemas.microsoft.com/office/powerpoint/2010/main" val="267632692"/>
+      </p:ext>
+    </p:extLst>
+  </p:cSld>
+  <p:clrMapOvr>
+    <a:masterClrMapping/>
+  </p:clrMapOvr>
+</p:sld>
+</file>
+
+<file path=ppt/slides/slide3.xml><?xml version="1.0" encoding="utf-8"?>
+<p:sld xmlns:a="http://schemas.openxmlformats.org/drawingml/2006/main" xmlns:r="http://schemas.openxmlformats.org/officeDocument/2006/relationships" xmlns:p="http://schemas.openxmlformats.org/presentationml/2006/main">
+  <p:cSld>
+    <p:spTree>
+      <p:nvGrpSpPr>
+        <p:cNvPr id="1" name=""/>
+        <p:cNvGrpSpPr/>
+        <p:nvPr/>
+      </p:nvGrpSpPr>
+      <p:grpSpPr>
+        <a:xfrm>
+          <a:off x="0" y="0"/>
+          <a:ext cx="0" cy="0"/>
+          <a:chOff x="0" y="0"/>
+          <a:chExt cx="0" cy="0"/>
+        </a:xfrm>
+      </p:grpSpPr>
+      <p:sp>
+        <p:nvSpPr>
+          <p:cNvPr id="2" name="Title 1"/>
+          <p:cNvSpPr>
+            <a:spLocks noGrp="1"/>
+          </p:cNvSpPr>
+          <p:nvPr>
+            <p:ph type="title"/>
+          </p:nvPr>
+        </p:nvSpPr>
+        <p:spPr/>
+        <p:txBody>
+          <a:bodyPr/>
+          <a:lstStyle/>
+          <a:p>
+            <a:r>
+              <a:rPr lang="en-US" dirty="0" smtClean="0"/>
+              <a:t>Previous work</a:t>
+            </a:r>
+            <a:endParaRPr lang="en-US" dirty="0"/>
+          </a:p>
+        </p:txBody>
+      </p:sp>
+      <p:sp>
+        <p:nvSpPr>
+          <p:cNvPr id="3" name="Content Placeholder 2"/>
+          <p:cNvSpPr>
+            <a:spLocks noGrp="1"/>
+          </p:cNvSpPr>
+          <p:nvPr>
+            <p:ph idx="1"/>
+          </p:nvPr>
+        </p:nvSpPr>
+        <p:spPr/>
+        <p:txBody>
+          <a:bodyPr>
+            <a:normAutofit/>
+          </a:bodyPr>
+          <a:lstStyle/>
+          <a:p>
+            <a:r>
+              <a:rPr lang="en-US" sz="1800" dirty="0"/>
+              <a:t>Discovering panoramas in web </a:t>
+            </a:r>
+            <a:r>
+              <a:rPr lang="en-US" sz="1800" dirty="0" smtClean="0"/>
+              <a:t>videos.</a:t>
+            </a:r>
+          </a:p>
+          <a:p>
+            <a:r>
+              <a:rPr lang="en-US" sz="1400" b="0" dirty="0" err="1" smtClean="0"/>
+              <a:t>Feng</a:t>
+            </a:r>
+            <a:r>
+              <a:rPr lang="en-US" sz="1400" b="0" dirty="0" smtClean="0"/>
+              <a:t> Liu, Yu-hen </a:t>
+            </a:r>
+            <a:r>
+              <a:rPr lang="en-US" sz="1400" b="0" dirty="0"/>
+              <a:t>Hu </a:t>
+            </a:r>
+            <a:r>
+              <a:rPr lang="en-US" sz="1400" b="0" dirty="0" smtClean="0"/>
+              <a:t>,Michael </a:t>
+            </a:r>
+            <a:r>
+              <a:rPr lang="en-US" sz="1400" b="0" dirty="0"/>
+              <a:t>L. </a:t>
+            </a:r>
+            <a:r>
+              <a:rPr lang="en-US" sz="1400" b="0" dirty="0" err="1"/>
+              <a:t>Gleicher</a:t>
+            </a:r>
+            <a:r>
+              <a:rPr lang="en-US" sz="1400" b="0" dirty="0" smtClean="0"/>
+              <a:t>, </a:t>
+            </a:r>
+            <a:r>
+              <a:rPr lang="en-US" sz="1400" b="0" i="1" dirty="0"/>
+              <a:t>Proceedings of the 16th ACM international conference on Multimedia</a:t>
+            </a:r>
+            <a:r>
+              <a:rPr lang="en-US" sz="1400" b="0" dirty="0"/>
+              <a:t>, October 26-31, 2008, Vancouver, British Columbia, </a:t>
+            </a:r>
+            <a:r>
+              <a:rPr lang="en-US" sz="1400" b="0" dirty="0" smtClean="0"/>
+              <a:t>Canada</a:t>
+            </a:r>
+          </a:p>
+          <a:p>
+            <a:r>
+              <a:rPr lang="en-US" sz="1800" dirty="0" smtClean="0"/>
+              <a:t>Comparison </a:t>
+            </a:r>
+            <a:r>
+              <a:rPr lang="en-US" sz="1800" dirty="0"/>
+              <a:t>of automatic shot boundary detection algorithms.</a:t>
+            </a:r>
+            <a:endParaRPr lang="en-US" sz="1800" dirty="0" smtClean="0"/>
+          </a:p>
+          <a:p>
+            <a:r>
+              <a:rPr lang="en-US" sz="1400" b="0" dirty="0" err="1" smtClean="0"/>
+              <a:t>Lienhart</a:t>
+            </a:r>
+            <a:r>
+              <a:rPr lang="en-US" sz="1400" b="0" dirty="0"/>
+              <a:t>, </a:t>
+            </a:r>
+            <a:r>
+              <a:rPr lang="en-US" sz="1400" b="0" dirty="0" smtClean="0"/>
+              <a:t>Rainer</a:t>
+            </a:r>
+          </a:p>
+          <a:p>
+            <a:r>
+              <a:rPr lang="en-US" sz="1800" dirty="0" smtClean="0"/>
+              <a:t>Blur </a:t>
+            </a:r>
+            <a:r>
+              <a:rPr lang="en-US" sz="1800" dirty="0"/>
+              <a:t>detection for digital images using wavelet </a:t>
+            </a:r>
+            <a:r>
+              <a:rPr lang="en-US" sz="1800" dirty="0" smtClean="0"/>
+              <a:t>transform.</a:t>
+            </a:r>
+            <a:endParaRPr lang="en-US" sz="1800" dirty="0"/>
+          </a:p>
+          <a:p>
+            <a:r>
+              <a:rPr lang="en-US" sz="1400" b="0" dirty="0"/>
+              <a:t>Tong, </a:t>
+            </a:r>
+            <a:r>
+              <a:rPr lang="en-US" sz="1400" b="0" dirty="0" err="1"/>
+              <a:t>Hanghang</a:t>
+            </a:r>
+            <a:r>
+              <a:rPr lang="en-US" sz="1400" b="0" dirty="0"/>
+              <a:t>, et al</a:t>
+            </a:r>
+            <a:r>
+              <a:rPr lang="en-US" sz="1400" b="0" dirty="0" smtClean="0"/>
+              <a:t>.</a:t>
+            </a:r>
+            <a:r>
+              <a:rPr lang="en-US" sz="1400" b="0" dirty="0"/>
+              <a:t> </a:t>
+            </a:r>
+            <a:r>
+              <a:rPr lang="en-US" sz="1400" b="0" i="1" dirty="0"/>
+              <a:t>Multimedia and Expo, 2004. ICME'04. 2004 IEEE International Conference on</a:t>
+            </a:r>
+            <a:r>
+              <a:rPr lang="en-US" sz="1400" b="0" dirty="0"/>
+              <a:t>. Vol. 1. IEEE, 2004</a:t>
+            </a:r>
+            <a:r>
+              <a:rPr lang="en-US" sz="1400" b="0" dirty="0" smtClean="0"/>
+              <a:t>.</a:t>
+            </a:r>
+            <a:endParaRPr lang="en-US" sz="1200" b="0" dirty="0" smtClean="0"/>
+          </a:p>
+          <a:p>
+            <a:r>
+              <a:rPr lang="en-US" sz="1800" dirty="0"/>
+              <a:t>No-reference perceptual quality assessment of JPEG compressed </a:t>
+            </a:r>
+            <a:r>
+              <a:rPr lang="en-US" sz="1800" dirty="0" smtClean="0"/>
+              <a:t>images.</a:t>
+            </a:r>
+            <a:endParaRPr lang="en-US" sz="1800" dirty="0"/>
+          </a:p>
+          <a:p>
+            <a:r>
+              <a:rPr lang="en-US" sz="1400" b="0" dirty="0"/>
+              <a:t>Wang, Zhou, Hamid R. Sheikh, and Alan C. </a:t>
+            </a:r>
+            <a:r>
+              <a:rPr lang="en-US" sz="1400" b="0" dirty="0" err="1"/>
+              <a:t>Bovik</a:t>
+            </a:r>
+            <a:r>
+              <a:rPr lang="en-US" sz="1400" b="0" dirty="0" smtClean="0"/>
+              <a:t>.</a:t>
+            </a:r>
+            <a:r>
+              <a:rPr lang="en-US" sz="1400" b="0" dirty="0"/>
+              <a:t> </a:t>
+            </a:r>
+            <a:r>
+              <a:rPr lang="en-US" sz="1400" b="0" i="1" dirty="0"/>
+              <a:t>Image Processing. 2002. Proceedings. 2002 International Conference on</a:t>
+            </a:r>
+            <a:r>
+              <a:rPr lang="en-US" sz="1400" b="0" dirty="0"/>
+              <a:t>. Vol. 1. IEEE, 2002</a:t>
+            </a:r>
+            <a:r>
+              <a:rPr lang="en-US" sz="1400" b="0" dirty="0" smtClean="0"/>
+              <a:t>.</a:t>
+            </a:r>
+          </a:p>
+          <a:p>
+            <a:endParaRPr lang="en-US" sz="1400" b="0" dirty="0"/>
+          </a:p>
+        </p:txBody>
+      </p:sp>
+    </p:spTree>
+    <p:extLst>
+      <p:ext uri="{BB962C8B-B14F-4D97-AF65-F5344CB8AC3E}">
+        <p14:creationId xmlns:p14="http://schemas.microsoft.com/office/powerpoint/2010/main" val="3879811325"/>
+      </p:ext>
+    </p:extLst>
+  </p:cSld>
+  <p:clrMapOvr>
+    <a:masterClrMapping/>
+  </p:clrMapOvr>
+</p:sld>
+</file>
+
+<file path=ppt/slides/slide4.xml><?xml version="1.0" encoding="utf-8"?>
+<p:sld xmlns:a="http://schemas.openxmlformats.org/drawingml/2006/main" xmlns:r="http://schemas.openxmlformats.org/officeDocument/2006/relationships" xmlns:p="http://schemas.openxmlformats.org/presentationml/2006/main">
+  <p:cSld>
+    <p:spTree>
+      <p:nvGrpSpPr>
+        <p:cNvPr id="1" name=""/>
+        <p:cNvGrpSpPr/>
+        <p:nvPr/>
+      </p:nvGrpSpPr>
+      <p:grpSpPr>
+        <a:xfrm>
+          <a:off x="0" y="0"/>
+          <a:ext cx="0" cy="0"/>
+          <a:chOff x="0" y="0"/>
+          <a:chExt cx="0" cy="0"/>
+        </a:xfrm>
+      </p:grpSpPr>
+      <p:sp>
+        <p:nvSpPr>
+          <p:cNvPr id="2" name="Title 1"/>
+          <p:cNvSpPr>
+            <a:spLocks noGrp="1"/>
+          </p:cNvSpPr>
+          <p:nvPr>
+            <p:ph type="title"/>
+          </p:nvPr>
+        </p:nvSpPr>
+        <p:spPr/>
+        <p:txBody>
+          <a:bodyPr/>
+          <a:lstStyle/>
+          <a:p>
+            <a:r>
+              <a:rPr lang="en-US" dirty="0" smtClean="0"/>
+              <a:t>methodology</a:t>
+            </a:r>
+            <a:endParaRPr lang="en-US" dirty="0"/>
+          </a:p>
+        </p:txBody>
+      </p:sp>
+      <p:sp>
+        <p:nvSpPr>
+          <p:cNvPr id="3" name="Content Placeholder 2"/>
+          <p:cNvSpPr>
+            <a:spLocks noGrp="1"/>
+          </p:cNvSpPr>
+          <p:nvPr>
+            <p:ph idx="1"/>
+          </p:nvPr>
+        </p:nvSpPr>
+        <p:spPr/>
+        <p:txBody>
+          <a:bodyPr>
+            <a:normAutofit/>
+          </a:bodyPr>
+          <a:lstStyle/>
+          <a:p>
+            <a:r>
+              <a:rPr lang="en-US" dirty="0" smtClean="0"/>
+              <a:t>Below is a high-level diagram of our application:</a:t>
+            </a:r>
+          </a:p>
+          <a:p>
+            <a:endParaRPr lang="en-US" dirty="0"/>
+          </a:p>
+          <a:p>
+            <a:endParaRPr lang="en-US" dirty="0" smtClean="0"/>
+          </a:p>
+          <a:p>
+            <a:endParaRPr lang="en-US" dirty="0"/>
+          </a:p>
+          <a:p>
+            <a:endParaRPr lang="en-US" dirty="0" smtClean="0"/>
+          </a:p>
+          <a:p>
+            <a:endParaRPr lang="en-US" dirty="0" smtClean="0"/>
+          </a:p>
+          <a:p>
+            <a:endParaRPr lang="en-US" sz="1600" dirty="0" smtClean="0"/>
+          </a:p>
+          <a:p>
+            <a:endParaRPr lang="en-US" sz="1600" dirty="0"/>
+          </a:p>
+          <a:p>
+            <a:endParaRPr lang="en-US" sz="1600" dirty="0" smtClean="0"/>
+          </a:p>
+          <a:p>
+            <a:r>
+              <a:rPr lang="en-US" sz="1600" dirty="0" smtClean="0"/>
+              <a:t>* Blurriness and </a:t>
+            </a:r>
+            <a:r>
+              <a:rPr lang="en-US" sz="1600" dirty="0" err="1" smtClean="0"/>
+              <a:t>Blockness</a:t>
+            </a:r>
+            <a:r>
+              <a:rPr lang="en-US" sz="1600" dirty="0" smtClean="0"/>
+              <a:t> are types of visual distortion quality measures that render a frame unusable if they are too high.</a:t>
+            </a:r>
+          </a:p>
+        </p:txBody>
+      </p:sp>
+      <p:pic>
+        <p:nvPicPr>
+          <p:cNvPr id="1027" name="Picture 3" descr="H:\EECS442\VideoPanoramaMaker\Documentation\method_diagram.png"/>
+          <p:cNvPicPr>
+            <a:picLocks noChangeAspect="1" noChangeArrowheads="1"/>
+          </p:cNvPicPr>
+          <p:nvPr/>
+        </p:nvPicPr>
+        <p:blipFill rotWithShape="1">
+          <a:blip r:embed="rId2" cstate="print">
+            <a:extLst>
+              <a:ext uri="{28A0092B-C50C-407E-A947-70E740481C1C}">
+                <a14:useLocalDpi xmlns:a14="http://schemas.microsoft.com/office/drawing/2010/main" val="0"/>
+              </a:ext>
+            </a:extLst>
+          </a:blip>
+          <a:srcRect t="25384" b="25641"/>
+          <a:stretch/>
+        </p:blipFill>
+        <p:spPr bwMode="auto">
+          <a:xfrm>
+            <a:off x="466436" y="2895600"/>
+            <a:ext cx="7610764" cy="1863662"/>
+          </a:xfrm>
+          <a:prstGeom prst="rect">
+            <a:avLst/>
+          </a:prstGeom>
+          <a:noFill/>
+          <a:extLst>
+            <a:ext uri="{909E8E84-426E-40DD-AFC4-6F175D3DCCD1}">
+              <a14:hiddenFill xmlns:a14="http://schemas.microsoft.com/office/drawing/2010/main">
+                <a:solidFill>
+                  <a:srgbClr val="FFFFFF"/>
+                </a:solidFill>
+              </a14:hiddenFill>
+            </a:ext>
+          </a:extLst>
+        </p:spPr>
+      </p:pic>
+    </p:spTree>
+    <p:extLst>
+      <p:ext uri="{BB962C8B-B14F-4D97-AF65-F5344CB8AC3E}">
+        <p14:creationId xmlns:p14="http://schemas.microsoft.com/office/powerpoint/2010/main" val="3651251074"/>
+      </p:ext>
+    </p:extLst>
+  </p:cSld>
+  <p:clrMapOvr>
+    <a:masterClrMapping/>
+  </p:clrMapOvr>
+</p:sld>
+</file>
+
+<file path=ppt/slides/slide5.xml><?xml version="1.0" encoding="utf-8"?>
+<p:sld xmlns:a="http://schemas.openxmlformats.org/drawingml/2006/main" xmlns:r="http://schemas.openxmlformats.org/officeDocument/2006/relationships" xmlns:p="http://schemas.openxmlformats.org/presentationml/2006/main">
+  <p:cSld>
+    <p:spTree>
+      <p:nvGrpSpPr>
+        <p:cNvPr id="1" name=""/>
+        <p:cNvGrpSpPr/>
+        <p:nvPr/>
+      </p:nvGrpSpPr>
+      <p:grpSpPr>
+        <a:xfrm>
+          <a:off x="0" y="0"/>
+          <a:ext cx="0" cy="0"/>
+          <a:chOff x="0" y="0"/>
+          <a:chExt cx="0" cy="0"/>
+        </a:xfrm>
+      </p:grpSpPr>
+      <p:sp>
+        <p:nvSpPr>
+          <p:cNvPr id="2" name="Title 1"/>
+          <p:cNvSpPr>
+            <a:spLocks noGrp="1"/>
+          </p:cNvSpPr>
+          <p:nvPr>
+            <p:ph type="title"/>
+          </p:nvPr>
+        </p:nvSpPr>
+        <p:spPr/>
+        <p:txBody>
+          <a:bodyPr/>
+          <a:lstStyle/>
+          <a:p>
+            <a:r>
+              <a:rPr lang="en-US" dirty="0" smtClean="0"/>
+              <a:t>Implementation challenges</a:t>
+            </a:r>
+            <a:endParaRPr lang="en-US" dirty="0"/>
+          </a:p>
+        </p:txBody>
+      </p:sp>
+      <p:sp>
+        <p:nvSpPr>
+          <p:cNvPr id="3" name="Content Placeholder 2"/>
+          <p:cNvSpPr>
+            <a:spLocks noGrp="1"/>
+          </p:cNvSpPr>
+          <p:nvPr>
+            <p:ph idx="1"/>
+          </p:nvPr>
+        </p:nvSpPr>
+        <p:spPr/>
+        <p:txBody>
+          <a:bodyPr/>
+          <a:lstStyle/>
+          <a:p>
+            <a:r>
+              <a:rPr lang="en-US" i="1" dirty="0" smtClean="0"/>
+              <a:t>Shot detection algorithm.</a:t>
+            </a:r>
+          </a:p>
+          <a:p>
+            <a:r>
+              <a:rPr lang="en-US" dirty="0" smtClean="0"/>
+              <a:t>Identifying a contiguous set of frames comprising continuous camera motion.</a:t>
+            </a:r>
+          </a:p>
+          <a:p>
+            <a:endParaRPr lang="en-US" dirty="0"/>
+          </a:p>
+          <a:p>
+            <a:r>
+              <a:rPr lang="en-US" i="1" dirty="0" smtClean="0"/>
+              <a:t>Panorama discovery algorithm.</a:t>
+            </a:r>
+          </a:p>
+          <a:p>
+            <a:r>
+              <a:rPr lang="en-US" dirty="0" smtClean="0"/>
+              <a:t>Identifying the best panoramas from a single shot.</a:t>
+            </a:r>
+          </a:p>
+          <a:p>
+            <a:endParaRPr lang="en-US" dirty="0"/>
+          </a:p>
+          <a:p>
+            <a:r>
+              <a:rPr lang="en-US" i="1" dirty="0" smtClean="0"/>
+              <a:t>Blending algorithm.</a:t>
+            </a:r>
+          </a:p>
+          <a:p>
+            <a:r>
+              <a:rPr lang="en-US" dirty="0" smtClean="0"/>
+              <a:t>Correctly aligning and blending individual frames into a single image.</a:t>
+            </a:r>
+          </a:p>
+        </p:txBody>
+      </p:sp>
+    </p:spTree>
+    <p:extLst>
+      <p:ext uri="{BB962C8B-B14F-4D97-AF65-F5344CB8AC3E}">
+        <p14:creationId xmlns:p14="http://schemas.microsoft.com/office/powerpoint/2010/main" val="3808539900"/>
+      </p:ext>
+    </p:extLst>
+  </p:cSld>
+  <p:clrMapOvr>
+    <a:masterClrMapping/>
+  </p:clrMapOvr>
+</p:sld>
+</file>
+
+<file path=ppt/slides/slide6.xml><?xml version="1.0" encoding="utf-8"?>
+<p:sld xmlns:a="http://schemas.openxmlformats.org/drawingml/2006/main" xmlns:r="http://schemas.openxmlformats.org/officeDocument/2006/relationships" xmlns:p="http://schemas.openxmlformats.org/presentationml/2006/main">
+  <p:cSld>
+    <p:spTree>
+      <p:nvGrpSpPr>
+        <p:cNvPr id="1" name=""/>
+        <p:cNvGrpSpPr/>
+        <p:nvPr/>
+      </p:nvGrpSpPr>
+      <p:grpSpPr>
+        <a:xfrm>
+          <a:off x="0" y="0"/>
+          <a:ext cx="0" cy="0"/>
+          <a:chOff x="0" y="0"/>
+          <a:chExt cx="0" cy="0"/>
+        </a:xfrm>
+      </p:grpSpPr>
+      <p:sp>
+        <p:nvSpPr>
+          <p:cNvPr id="2" name="Title 1"/>
+          <p:cNvSpPr>
+            <a:spLocks noGrp="1"/>
+          </p:cNvSpPr>
+          <p:nvPr>
+            <p:ph type="title"/>
+          </p:nvPr>
+        </p:nvSpPr>
+        <p:spPr/>
+        <p:txBody>
+          <a:bodyPr/>
+          <a:lstStyle/>
+          <a:p>
+            <a:r>
+              <a:rPr lang="en-US" dirty="0" smtClean="0"/>
+              <a:t>Shot detection</a:t>
+            </a:r>
+            <a:endParaRPr lang="en-US" dirty="0"/>
+          </a:p>
+        </p:txBody>
+      </p:sp>
+      <p:sp>
+        <p:nvSpPr>
+          <p:cNvPr id="3" name="Content Placeholder 2"/>
+          <p:cNvSpPr>
+            <a:spLocks noGrp="1"/>
+          </p:cNvSpPr>
+          <p:nvPr>
+            <p:ph idx="1"/>
+          </p:nvPr>
+        </p:nvSpPr>
+        <p:spPr/>
+        <p:txBody>
+          <a:bodyPr/>
+          <a:lstStyle/>
+          <a:p>
+            <a:endParaRPr lang="en-US" dirty="0"/>
+          </a:p>
+        </p:txBody>
+      </p:sp>
+    </p:spTree>
+    <p:extLst>
+      <p:ext uri="{BB962C8B-B14F-4D97-AF65-F5344CB8AC3E}">
+        <p14:creationId xmlns:p14="http://schemas.microsoft.com/office/powerpoint/2010/main" val="2126177838"/>
+      </p:ext>
+    </p:extLst>
+  </p:cSld>
+  <p:clrMapOvr>
+    <a:masterClrMapping/>
+  </p:clrMapOvr>
+</p:sld>
+</file>
+
+<file path=ppt/slides/slide7.xml><?xml version="1.0" encoding="utf-8"?>
+<p:sld xmlns:a="http://schemas.openxmlformats.org/drawingml/2006/main" xmlns:r="http://schemas.openxmlformats.org/officeDocument/2006/relationships" xmlns:p="http://schemas.openxmlformats.org/presentationml/2006/main">
+  <p:cSld>
+    <p:spTree>
+      <p:nvGrpSpPr>
+        <p:cNvPr id="1" name=""/>
+        <p:cNvGrpSpPr/>
+        <p:nvPr/>
+      </p:nvGrpSpPr>
+      <p:grpSpPr>
+        <a:xfrm>
+          <a:off x="0" y="0"/>
+          <a:ext cx="0" cy="0"/>
+          <a:chOff x="0" y="0"/>
+          <a:chExt cx="0" cy="0"/>
+        </a:xfrm>
+      </p:grpSpPr>
+      <p:sp>
+        <p:nvSpPr>
+          <p:cNvPr id="2" name="Title 1"/>
+          <p:cNvSpPr>
+            <a:spLocks noGrp="1"/>
+          </p:cNvSpPr>
+          <p:nvPr>
+            <p:ph type="title"/>
+          </p:nvPr>
+        </p:nvSpPr>
+        <p:spPr/>
+        <p:txBody>
+          <a:bodyPr/>
+          <a:lstStyle/>
+          <a:p>
+            <a:r>
+              <a:rPr lang="en-US" dirty="0" smtClean="0"/>
+              <a:t>Panorama discovery</a:t>
+            </a:r>
+            <a:endParaRPr lang="en-US" dirty="0"/>
+          </a:p>
+        </p:txBody>
+      </p:sp>
+      <p:sp>
+        <p:nvSpPr>
+          <p:cNvPr id="3" name="Content Placeholder 2"/>
+          <p:cNvSpPr>
+            <a:spLocks noGrp="1"/>
+          </p:cNvSpPr>
+          <p:nvPr>
+            <p:ph idx="1"/>
+          </p:nvPr>
+        </p:nvSpPr>
+        <p:spPr/>
+        <p:txBody>
+          <a:bodyPr/>
+          <a:lstStyle/>
+          <a:p>
+            <a:r>
+              <a:rPr lang="en-US" dirty="0" smtClean="0"/>
+              <a:t>Optimization problem solving for best combination of frames that constitute a panorama.</a:t>
+            </a:r>
+          </a:p>
+          <a:p>
+            <a:endParaRPr lang="en-US" dirty="0"/>
+          </a:p>
+          <a:p>
+            <a:endParaRPr lang="en-US" dirty="0" smtClean="0"/>
+          </a:p>
+          <a:p>
+            <a:endParaRPr lang="en-US" dirty="0"/>
+          </a:p>
+          <a:p>
+            <a:endParaRPr lang="en-US" dirty="0" smtClean="0"/>
+          </a:p>
+          <a:p>
+            <a:endParaRPr lang="en-US" dirty="0" smtClean="0"/>
+          </a:p>
+          <a:p>
+            <a:r>
+              <a:rPr lang="en-US" dirty="0" smtClean="0"/>
+              <a:t>Balance between maximizing visual quality and scene extent.</a:t>
+            </a:r>
+            <a:endParaRPr lang="en-US" dirty="0"/>
+          </a:p>
+          <a:p>
+            <a:endParaRPr lang="en-US" dirty="0" smtClean="0"/>
+          </a:p>
+          <a:p>
+            <a:r>
+              <a:rPr lang="en-US" dirty="0" smtClean="0"/>
+              <a:t>Computationally difficult to solve.</a:t>
+            </a:r>
+          </a:p>
+        </p:txBody>
+      </p:sp>
+      <p:pic>
+        <p:nvPicPr>
+          <p:cNvPr id="2050" name="Picture 2"/>
+          <p:cNvPicPr>
+            <a:picLocks noChangeAspect="1" noChangeArrowheads="1"/>
+          </p:cNvPicPr>
+          <p:nvPr/>
+        </p:nvPicPr>
+        <p:blipFill rotWithShape="1">
+          <a:blip r:embed="rId2">
+            <a:extLst>
+              <a:ext uri="{28A0092B-C50C-407E-A947-70E740481C1C}">
+                <a14:useLocalDpi xmlns:a14="http://schemas.microsoft.com/office/drawing/2010/main" val="0"/>
+              </a:ext>
+            </a:extLst>
+          </a:blip>
+          <a:srcRect t="10107"/>
+          <a:stretch/>
+        </p:blipFill>
+        <p:spPr bwMode="auto">
+          <a:xfrm>
+            <a:off x="678543" y="2602246"/>
+            <a:ext cx="8001000" cy="1512554"/>
+          </a:xfrm>
+          <a:prstGeom prst="rect">
+            <a:avLst/>
+          </a:prstGeom>
+          <a:noFill/>
+          <a:ln>
+            <a:noFill/>
+          </a:ln>
+          <a:effectLst/>
+          <a:extLst>
+            <a:ext uri="{909E8E84-426E-40DD-AFC4-6F175D3DCCD1}">
+              <a14:hiddenFill xmlns:a14="http://schemas.microsoft.com/office/drawing/2010/main">
+                <a:solidFill>
+                  <a:schemeClr val="accent1"/>
+                </a:solidFill>
+              </a14:hiddenFill>
+            </a:ext>
+            <a:ext uri="{91240B29-F687-4F45-9708-019B960494DF}">
+              <a14:hiddenLine xmlns:a14="http://schemas.microsoft.com/office/drawing/2010/main" w="9525">
+                <a:solidFill>
+                  <a:schemeClr val="tx1"/>
+                </a:solidFill>
+                <a:miter lim="800000"/>
+                <a:headEnd/>
+                <a:tailEnd/>
+              </a14:hiddenLine>
+            </a:ext>
+            <a:ext uri="{AF507438-7753-43E0-B8FC-AC1667EBCBE1}">
+              <a14:hiddenEffects xmlns:a14="http://schemas.microsoft.com/office/drawing/2010/main">
+                <a:effectLst>
+                  <a:outerShdw dist="35921" dir="2700000" algn="ctr" rotWithShape="0">
+                    <a:schemeClr val="bg2"/>
+                  </a:outerShdw>
+                </a:effectLst>
+              </a14:hiddenEffects>
+            </a:ext>
+          </a:extLst>
+        </p:spPr>
+      </p:pic>
+    </p:spTree>
+    <p:extLst>
+      <p:ext uri="{BB962C8B-B14F-4D97-AF65-F5344CB8AC3E}">
+        <p14:creationId xmlns:p14="http://schemas.microsoft.com/office/powerpoint/2010/main" val="3348541424"/>
+      </p:ext>
+    </p:extLst>
+  </p:cSld>
+  <p:clrMapOvr>
+    <a:masterClrMapping/>
+  </p:clrMapOvr>
+  <p:timing>
+    <p:tnLst>
+      <p:par>
+        <p:cTn id="1" dur="indefinite" restart="never" nodeType="tmRoot"/>
+      </p:par>
+    </p:tnLst>
+  </p:timing>
+</p:sld>
+</file>
+
+<file path=ppt/slides/slide8.xml><?xml version="1.0" encoding="utf-8"?>
+<p:sld xmlns:a="http://schemas.openxmlformats.org/drawingml/2006/main" xmlns:r="http://schemas.openxmlformats.org/officeDocument/2006/relationships" xmlns:p="http://schemas.openxmlformats.org/presentationml/2006/main">
+  <p:cSld>
+    <p:spTree>
+      <p:nvGrpSpPr>
+        <p:cNvPr id="1" name=""/>
+        <p:cNvGrpSpPr/>
+        <p:nvPr/>
+      </p:nvGrpSpPr>
+      <p:grpSpPr>
+        <a:xfrm>
+          <a:off x="0" y="0"/>
+          <a:ext cx="0" cy="0"/>
+          <a:chOff x="0" y="0"/>
+          <a:chExt cx="0" cy="0"/>
+        </a:xfrm>
+      </p:grpSpPr>
+      <p:sp>
+        <p:nvSpPr>
+          <p:cNvPr id="2" name="Title 1"/>
+          <p:cNvSpPr>
+            <a:spLocks noGrp="1"/>
+          </p:cNvSpPr>
+          <p:nvPr>
+            <p:ph type="title"/>
+          </p:nvPr>
+        </p:nvSpPr>
+        <p:spPr/>
+        <p:txBody>
+          <a:bodyPr/>
+          <a:lstStyle/>
+          <a:p>
+            <a:r>
+              <a:rPr lang="en-US" dirty="0" smtClean="0"/>
+              <a:t>blending</a:t>
+            </a:r>
+            <a:endParaRPr lang="en-US" dirty="0"/>
+          </a:p>
+        </p:txBody>
+      </p:sp>
+      <p:sp>
+        <p:nvSpPr>
+          <p:cNvPr id="3" name="Content Placeholder 2"/>
+          <p:cNvSpPr>
+            <a:spLocks noGrp="1"/>
+          </p:cNvSpPr>
+          <p:nvPr>
+            <p:ph idx="1"/>
+          </p:nvPr>
+        </p:nvSpPr>
+        <p:spPr/>
+        <p:txBody>
+          <a:bodyPr>
+            <a:normAutofit lnSpcReduction="10000"/>
+          </a:bodyPr>
+          <a:lstStyle/>
+          <a:p>
+            <a:r>
+              <a:rPr lang="en-US" dirty="0" smtClean="0"/>
+              <a:t>Three step algorithm:</a:t>
+            </a:r>
+          </a:p>
+          <a:p>
+            <a:endParaRPr lang="en-US" dirty="0"/>
+          </a:p>
+          <a:p>
+            <a:endParaRPr lang="en-US" dirty="0" smtClean="0"/>
+          </a:p>
+          <a:p>
+            <a:endParaRPr lang="en-US" dirty="0"/>
+          </a:p>
+          <a:p>
+            <a:endParaRPr lang="en-US" dirty="0" smtClean="0"/>
+          </a:p>
+          <a:p>
+            <a:endParaRPr lang="en-US" dirty="0" smtClean="0"/>
+          </a:p>
+          <a:p>
+            <a:endParaRPr lang="en-US" dirty="0" smtClean="0"/>
+          </a:p>
+          <a:p>
+            <a:r>
+              <a:rPr lang="en-US" dirty="0" smtClean="0"/>
+              <a:t>Constants used to tune the result.</a:t>
+            </a:r>
+          </a:p>
+          <a:p>
+            <a:endParaRPr lang="en-US" dirty="0" smtClean="0"/>
+          </a:p>
+          <a:p>
+            <a:r>
+              <a:rPr lang="en-US" dirty="0" smtClean="0"/>
+              <a:t>Assumed there was no rotation or skew in </a:t>
+            </a:r>
+            <a:r>
+              <a:rPr lang="en-US" dirty="0" err="1" smtClean="0"/>
+              <a:t>homographies</a:t>
+            </a:r>
+            <a:r>
+              <a:rPr lang="en-US" dirty="0" smtClean="0"/>
+              <a:t>.</a:t>
+            </a:r>
+          </a:p>
+          <a:p>
+            <a:endParaRPr lang="en-US" dirty="0"/>
+          </a:p>
+          <a:p>
+            <a:endParaRPr lang="en-US" dirty="0"/>
+          </a:p>
+          <a:p>
+            <a:endParaRPr lang="en-US" dirty="0"/>
+          </a:p>
+        </p:txBody>
+      </p:sp>
+      <p:pic>
+        <p:nvPicPr>
+          <p:cNvPr id="8" name="Picture 7"/>
+          <p:cNvPicPr>
+            <a:picLocks noChangeAspect="1"/>
+          </p:cNvPicPr>
+          <p:nvPr/>
+        </p:nvPicPr>
+        <p:blipFill>
+          <a:blip r:embed="rId2">
+            <a:extLst>
+              <a:ext uri="{28A0092B-C50C-407E-A947-70E740481C1C}">
+                <a14:useLocalDpi xmlns:a14="http://schemas.microsoft.com/office/drawing/2010/main" val="0"/>
+              </a:ext>
+            </a:extLst>
+          </a:blip>
+          <a:stretch>
+            <a:fillRect/>
+          </a:stretch>
+        </p:blipFill>
+        <p:spPr>
+          <a:xfrm>
+            <a:off x="485485" y="2438342"/>
+            <a:ext cx="8001289" cy="1600258"/>
+          </a:xfrm>
+          <a:prstGeom prst="rect">
+            <a:avLst/>
+          </a:prstGeom>
+        </p:spPr>
+      </p:pic>
+    </p:spTree>
+    <p:extLst>
+      <p:ext uri="{BB962C8B-B14F-4D97-AF65-F5344CB8AC3E}">
+        <p14:creationId xmlns:p14="http://schemas.microsoft.com/office/powerpoint/2010/main" val="2929792747"/>
+      </p:ext>
+    </p:extLst>
+  </p:cSld>
+  <p:clrMapOvr>
+    <a:masterClrMapping/>
+  </p:clrMapOvr>
+  <p:timing>
+    <p:tnLst>
+      <p:par>
+        <p:cTn id="1" dur="indefinite" restart="never" nodeType="tmRoot"/>
+      </p:par>
+    </p:tnLst>
+  </p:timing>
+</p:sld>
+</file>
+
+<file path=ppt/slides/slide9.xml><?xml version="1.0" encoding="utf-8"?>
+<p:sld xmlns:a="http://schemas.openxmlformats.org/drawingml/2006/main" xmlns:r="http://schemas.openxmlformats.org/officeDocument/2006/relationships" xmlns:p="http://schemas.openxmlformats.org/presentationml/2006/main">
+  <p:cSld>
+    <p:spTree>
+      <p:nvGrpSpPr>
+        <p:cNvPr id="1" name=""/>
+        <p:cNvGrpSpPr/>
+        <p:nvPr/>
+      </p:nvGrpSpPr>
+      <p:grpSpPr>
+        <a:xfrm>
+          <a:off x="0" y="0"/>
+          <a:ext cx="0" cy="0"/>
+          <a:chOff x="0" y="0"/>
+          <a:chExt cx="0" cy="0"/>
+        </a:xfrm>
+      </p:grpSpPr>
+      <p:sp>
+        <p:nvSpPr>
+          <p:cNvPr id="2" name="Title 1"/>
+          <p:cNvSpPr>
+            <a:spLocks noGrp="1"/>
+          </p:cNvSpPr>
+          <p:nvPr>
+            <p:ph type="title"/>
+          </p:nvPr>
+        </p:nvSpPr>
+        <p:spPr/>
+        <p:txBody>
+          <a:bodyPr/>
+          <a:lstStyle/>
+          <a:p>
+            <a:r>
+              <a:rPr lang="en-US" dirty="0" smtClean="0"/>
+              <a:t>Results I</a:t>
+            </a:r>
+            <a:endParaRPr lang="en-US" dirty="0"/>
+          </a:p>
+        </p:txBody>
+      </p:sp>
+      <p:sp>
+        <p:nvSpPr>
+          <p:cNvPr id="3" name="Content Placeholder 2"/>
+          <p:cNvSpPr>
+            <a:spLocks noGrp="1"/>
+          </p:cNvSpPr>
+          <p:nvPr>
+            <p:ph idx="1"/>
+          </p:nvPr>
+        </p:nvSpPr>
+        <p:spPr/>
+        <p:txBody>
+          <a:bodyPr/>
+          <a:lstStyle/>
+          <a:p>
+            <a:r>
+              <a:rPr lang="en-US" dirty="0" smtClean="0"/>
+              <a:t>Testing for multiple shots</a:t>
+            </a:r>
+            <a:r>
+              <a:rPr lang="en-US" dirty="0" smtClean="0"/>
+              <a:t>.</a:t>
+            </a:r>
+          </a:p>
+          <a:p>
+            <a:r>
+              <a:rPr lang="en-US" dirty="0"/>
+              <a:t>Panorama #1:</a:t>
+            </a:r>
+          </a:p>
+          <a:p>
+            <a:endParaRPr lang="en-US" dirty="0" smtClean="0"/>
+          </a:p>
+          <a:p>
+            <a:endParaRPr lang="en-US" dirty="0"/>
+          </a:p>
+        </p:txBody>
+      </p:sp>
+      <p:pic>
+        <p:nvPicPr>
+          <p:cNvPr id="3074" name="Picture 2" descr="H:\EECS442_Final\VideoPanoramaMaker\panorama_pan_2_shots_trimmed_1_1.jpg"/>
+          <p:cNvPicPr>
+            <a:picLocks noChangeAspect="1" noChangeArrowheads="1"/>
+          </p:cNvPicPr>
+          <p:nvPr/>
+        </p:nvPicPr>
+        <p:blipFill>
+          <a:blip r:embed="rId2" cstate="print">
+            <a:extLst>
+              <a:ext uri="{28A0092B-C50C-407E-A947-70E740481C1C}">
+                <a14:useLocalDpi xmlns:a14="http://schemas.microsoft.com/office/drawing/2010/main" val="0"/>
+              </a:ext>
+            </a:extLst>
+          </a:blip>
+          <a:srcRect/>
+          <a:stretch>
+            <a:fillRect/>
+          </a:stretch>
+        </p:blipFill>
+        <p:spPr bwMode="auto">
+          <a:xfrm>
+            <a:off x="304800" y="2743200"/>
+            <a:ext cx="8534400" cy="1552507"/>
+          </a:xfrm>
+          <a:prstGeom prst="rect">
+            <a:avLst/>
+          </a:prstGeom>
+          <a:noFill/>
+          <a:extLst>
+            <a:ext uri="{909E8E84-426E-40DD-AFC4-6F175D3DCCD1}">
+              <a14:hiddenFill xmlns:a14="http://schemas.microsoft.com/office/drawing/2010/main">
+                <a:solidFill>
+                  <a:srgbClr val="FFFFFF"/>
+                </a:solidFill>
+              </a14:hiddenFill>
+            </a:ext>
+          </a:extLst>
+        </p:spPr>
+      </p:pic>
+    </p:spTree>
+    <p:extLst>
+      <p:ext uri="{BB962C8B-B14F-4D97-AF65-F5344CB8AC3E}">
+        <p14:creationId xmlns:p14="http://schemas.microsoft.com/office/powerpoint/2010/main" val="2771243060"/>
+      </p:ext>
+    </p:extLst>
+  </p:cSld>
+  <p:clrMapOvr>
+    <a:masterClrMapping/>
+  </p:clrMapOvr>
+  <p:timing>
+    <p:tnLst>
+      <p:par>
+        <p:cTn id="1" dur="indefinite" restart="never" nodeType="tmRoot"/>
+      </p:par>
+    </p:tnLst>
+  </p:timing>
 </p:sld>
 </file>
 

--- a/Documentation/final_presentation.pptx
+++ b/Documentation/final_presentation.pptx
@@ -4062,11 +4062,7 @@
           <a:p>
             <a:r>
               <a:rPr lang="en-US" dirty="0" smtClean="0"/>
-              <a:t>Panorama </a:t>
-            </a:r>
-            <a:r>
-              <a:rPr lang="en-US" dirty="0" smtClean="0"/>
-              <a:t>#1:</a:t>
+              <a:t>Panorama #1:</a:t>
             </a:r>
             <a:endParaRPr lang="en-US" dirty="0"/>
           </a:p>
@@ -4187,11 +4183,7 @@
           <a:p>
             <a:r>
               <a:rPr lang="en-US" dirty="0" smtClean="0"/>
-              <a:t>Panorama </a:t>
-            </a:r>
-            <a:r>
-              <a:rPr lang="en-US" dirty="0" smtClean="0"/>
-              <a:t>#2:</a:t>
+              <a:t>Panorama #2:</a:t>
             </a:r>
             <a:endParaRPr lang="en-US" dirty="0"/>
           </a:p>
@@ -4520,11 +4512,7 @@
           <a:p>
             <a:r>
               <a:rPr lang="en-US" dirty="0" smtClean="0"/>
-              <a:t>Introduce basic automatic tuning</a:t>
-            </a:r>
-            <a:r>
-              <a:rPr lang="en-US" dirty="0" smtClean="0"/>
-              <a:t>.</a:t>
+              <a:t>Introduce basic automatic tuning.</a:t>
             </a:r>
           </a:p>
           <a:p>
@@ -5239,6 +5227,13 @@
   <p:clrMapOvr>
     <a:masterClrMapping/>
   </p:clrMapOvr>
+  <p:timing>
+    <p:tnLst>
+      <p:par>
+        <p:cTn id="1" dur="indefinite" restart="never" nodeType="tmRoot"/>
+      </p:par>
+    </p:tnLst>
+  </p:timing>
 </p:sld>
 </file>
 
@@ -5297,10 +5292,120 @@
           <a:bodyPr/>
           <a:lstStyle/>
           <a:p>
+            <a:pPr algn="just"/>
+            <a:r>
+              <a:rPr lang="en-US" dirty="0" smtClean="0"/>
+              <a:t>The video clip is divided into a sequence of shots. </a:t>
+            </a:r>
+          </a:p>
+          <a:p>
+            <a:pPr algn="just"/>
+            <a:r>
+              <a:rPr lang="en-US" dirty="0" smtClean="0"/>
+              <a:t>A shot is a continuous </a:t>
+            </a:r>
+            <a:r>
+              <a:rPr lang="en-US" dirty="0"/>
+              <a:t>frame sequence recorded by a camera setting</a:t>
+            </a:r>
+            <a:r>
+              <a:rPr lang="en-US" dirty="0" smtClean="0"/>
+              <a:t>.</a:t>
+            </a:r>
+          </a:p>
+          <a:p>
+            <a:pPr algn="just"/>
+            <a:r>
+              <a:rPr lang="en-US" dirty="0"/>
+              <a:t>A edge detection based method </a:t>
+            </a:r>
+            <a:r>
+              <a:rPr lang="en-US" dirty="0" smtClean="0"/>
+              <a:t>is used </a:t>
+            </a:r>
+            <a:r>
+              <a:rPr lang="en-US" dirty="0"/>
+              <a:t>for implementing </a:t>
+            </a:r>
+            <a:r>
+              <a:rPr lang="en-US" dirty="0" smtClean="0"/>
+              <a:t> shot </a:t>
+            </a:r>
+            <a:r>
+              <a:rPr lang="en-US" dirty="0"/>
+              <a:t>boundary detection.</a:t>
+            </a:r>
+            <a:endParaRPr lang="en-US" dirty="0" smtClean="0"/>
+          </a:p>
+          <a:p>
             <a:endParaRPr lang="en-US" dirty="0"/>
           </a:p>
         </p:txBody>
       </p:sp>
+      <p:pic>
+        <p:nvPicPr>
+          <p:cNvPr id="1026" name="Picture 2"/>
+          <p:cNvPicPr>
+            <a:picLocks noChangeAspect="1" noChangeArrowheads="1"/>
+          </p:cNvPicPr>
+          <p:nvPr/>
+        </p:nvPicPr>
+        <p:blipFill>
+          <a:blip r:embed="rId2" cstate="print">
+            <a:extLst>
+              <a:ext uri="{28A0092B-C50C-407E-A947-70E740481C1C}">
+                <a14:useLocalDpi xmlns:a14="http://schemas.microsoft.com/office/drawing/2010/main" val="0"/>
+              </a:ext>
+            </a:extLst>
+          </a:blip>
+          <a:srcRect/>
+          <a:stretch>
+            <a:fillRect/>
+          </a:stretch>
+        </p:blipFill>
+        <p:spPr bwMode="auto">
+          <a:xfrm>
+            <a:off x="2819400" y="3566886"/>
+            <a:ext cx="3581400" cy="3121698"/>
+          </a:xfrm>
+          <a:prstGeom prst="rect">
+            <a:avLst/>
+          </a:prstGeom>
+          <a:noFill/>
+          <a:ln>
+            <a:noFill/>
+          </a:ln>
+          <a:effectLst/>
+          <a:extLst>
+            <a:ext uri="{909E8E84-426E-40DD-AFC4-6F175D3DCCD1}">
+              <a14:hiddenFill xmlns:a14="http://schemas.microsoft.com/office/drawing/2010/main">
+                <a:solidFill>
+                  <a:schemeClr val="accent1"/>
+                </a:solidFill>
+              </a14:hiddenFill>
+            </a:ext>
+            <a:ext uri="{91240B29-F687-4F45-9708-019B960494DF}">
+              <a14:hiddenLine xmlns:a14="http://schemas.microsoft.com/office/drawing/2010/main" w="9525">
+                <a:solidFill>
+                  <a:schemeClr val="tx1"/>
+                </a:solidFill>
+                <a:miter lim="800000"/>
+                <a:headEnd/>
+                <a:tailEnd/>
+              </a14:hiddenLine>
+            </a:ext>
+            <a:ext uri="{AF507438-7753-43E0-B8FC-AC1667EBCBE1}">
+              <a14:hiddenEffects xmlns:a14="http://schemas.microsoft.com/office/drawing/2010/main">
+                <a:effectLst>
+                  <a:outerShdw dist="35921" dir="2700000" algn="ctr" rotWithShape="0">
+                    <a:schemeClr val="bg2"/>
+                  </a:outerShdw>
+                </a:effectLst>
+              </a14:hiddenEffects>
+            </a:ext>
+          </a:extLst>
+        </p:spPr>
+      </p:pic>
     </p:spTree>
     <p:extLst>
       <p:ext uri="{BB962C8B-B14F-4D97-AF65-F5344CB8AC3E}">
@@ -5311,6 +5416,13 @@
   <p:clrMapOvr>
     <a:masterClrMapping/>
   </p:clrMapOvr>
+  <p:timing>
+    <p:tnLst>
+      <p:par>
+        <p:cTn id="1" dur="indefinite" restart="never" nodeType="tmRoot"/>
+      </p:par>
+    </p:tnLst>
+  </p:timing>
 </p:sld>
 </file>
 
@@ -5710,11 +5822,7 @@
           <a:p>
             <a:r>
               <a:rPr lang="en-US" dirty="0" smtClean="0"/>
-              <a:t>Testing for multiple shots</a:t>
-            </a:r>
-            <a:r>
-              <a:rPr lang="en-US" dirty="0" smtClean="0"/>
-              <a:t>.</a:t>
+              <a:t>Testing for multiple shots.</a:t>
             </a:r>
           </a:p>
           <a:p>
